--- a/JS/007_lesson/Presentation/document_page_objects_2.pptx
+++ b/JS/007_lesson/Presentation/document_page_objects_2.pptx
@@ -618,7 +618,7 @@
     </p:spTree>
     <p:extLst>
       <p:ext uri="{BB962C8B-B14F-4D97-AF65-F5344CB8AC3E}">
-        <p14:creationId xmlns="" xmlns:p14="http://schemas.microsoft.com/office/powerpoint/2010/main" val="3537187278"/>
+        <p14:creationId xmlns:p14="http://schemas.microsoft.com/office/powerpoint/2010/main" xmlns="" val="3537187278"/>
       </p:ext>
     </p:extLst>
   </p:cSld>
@@ -664,7 +664,7 @@
           <a:blip r:embed="rId2" cstate="print">
             <a:extLst>
               <a:ext uri="{28A0092B-C50C-407E-A947-70E740481C1C}">
-                <a14:useLocalDpi xmlns="" xmlns:a14="http://schemas.microsoft.com/office/drawing/2010/main" val="0"/>
+                <a14:useLocalDpi xmlns:a14="http://schemas.microsoft.com/office/drawing/2010/main" xmlns="" val="0"/>
               </a:ext>
             </a:extLst>
           </a:blip>
@@ -688,14 +688,14 @@
           <a:effectLst/>
           <a:extLst>
             <a:ext uri="{909E8E84-426E-40DD-AFC4-6F175D3DCCD1}">
-              <a14:hiddenFill xmlns="" xmlns:a14="http://schemas.microsoft.com/office/drawing/2010/main">
+              <a14:hiddenFill xmlns:a14="http://schemas.microsoft.com/office/drawing/2010/main" xmlns="">
                 <a:solidFill>
                   <a:schemeClr val="accent1"/>
                 </a:solidFill>
               </a14:hiddenFill>
             </a:ext>
             <a:ext uri="{91240B29-F687-4F45-9708-019B960494DF}">
-              <a14:hiddenLine xmlns="" xmlns:a14="http://schemas.microsoft.com/office/drawing/2010/main" w="9525">
+              <a14:hiddenLine xmlns:a14="http://schemas.microsoft.com/office/drawing/2010/main" xmlns="" w="9525">
                 <a:solidFill>
                   <a:schemeClr val="tx1"/>
                 </a:solidFill>
@@ -705,7 +705,7 @@
               </a14:hiddenLine>
             </a:ext>
             <a:ext uri="{AF507438-7753-43E0-B8FC-AC1667EBCBE1}">
-              <a14:hiddenEffects xmlns="" xmlns:a14="http://schemas.microsoft.com/office/drawing/2010/main">
+              <a14:hiddenEffects xmlns:a14="http://schemas.microsoft.com/office/drawing/2010/main" xmlns="">
                 <a:effectLst>
                   <a:outerShdw dist="35921" dir="2700000" algn="ctr" rotWithShape="0">
                     <a:schemeClr val="bg2"/>
@@ -846,7 +846,7 @@
     </p:spTree>
     <p:extLst>
       <p:ext uri="{BB962C8B-B14F-4D97-AF65-F5344CB8AC3E}">
-        <p14:creationId xmlns="" xmlns:p14="http://schemas.microsoft.com/office/powerpoint/2010/main" val="2097366919"/>
+        <p14:creationId xmlns:p14="http://schemas.microsoft.com/office/powerpoint/2010/main" xmlns="" val="2097366919"/>
       </p:ext>
     </p:extLst>
   </p:cSld>
@@ -1370,7 +1370,7 @@
     </p:spTree>
     <p:extLst>
       <p:ext uri="{BB962C8B-B14F-4D97-AF65-F5344CB8AC3E}">
-        <p14:creationId xmlns="" xmlns:p14="http://schemas.microsoft.com/office/powerpoint/2010/main" val="3537187278"/>
+        <p14:creationId xmlns:p14="http://schemas.microsoft.com/office/powerpoint/2010/main" xmlns="" val="3537187278"/>
       </p:ext>
     </p:extLst>
   </p:cSld>
@@ -1416,7 +1416,7 @@
           <a:blip r:embed="rId2" cstate="print">
             <a:extLst>
               <a:ext uri="{28A0092B-C50C-407E-A947-70E740481C1C}">
-                <a14:useLocalDpi xmlns="" xmlns:a14="http://schemas.microsoft.com/office/drawing/2010/main" val="0"/>
+                <a14:useLocalDpi xmlns:a14="http://schemas.microsoft.com/office/drawing/2010/main" xmlns="" val="0"/>
               </a:ext>
             </a:extLst>
           </a:blip>
@@ -1440,14 +1440,14 @@
           <a:effectLst/>
           <a:extLst>
             <a:ext uri="{909E8E84-426E-40DD-AFC4-6F175D3DCCD1}">
-              <a14:hiddenFill xmlns="" xmlns:a14="http://schemas.microsoft.com/office/drawing/2010/main">
+              <a14:hiddenFill xmlns:a14="http://schemas.microsoft.com/office/drawing/2010/main" xmlns="">
                 <a:solidFill>
                   <a:schemeClr val="accent1"/>
                 </a:solidFill>
               </a14:hiddenFill>
             </a:ext>
             <a:ext uri="{91240B29-F687-4F45-9708-019B960494DF}">
-              <a14:hiddenLine xmlns="" xmlns:a14="http://schemas.microsoft.com/office/drawing/2010/main" w="9525">
+              <a14:hiddenLine xmlns:a14="http://schemas.microsoft.com/office/drawing/2010/main" xmlns="" w="9525">
                 <a:solidFill>
                   <a:schemeClr val="tx1"/>
                 </a:solidFill>
@@ -1457,7 +1457,7 @@
               </a14:hiddenLine>
             </a:ext>
             <a:ext uri="{AF507438-7753-43E0-B8FC-AC1667EBCBE1}">
-              <a14:hiddenEffects xmlns="" xmlns:a14="http://schemas.microsoft.com/office/drawing/2010/main">
+              <a14:hiddenEffects xmlns:a14="http://schemas.microsoft.com/office/drawing/2010/main" xmlns="">
                 <a:effectLst>
                   <a:outerShdw dist="35921" dir="2700000" algn="ctr" rotWithShape="0">
                     <a:schemeClr val="bg2"/>
@@ -1598,7 +1598,7 @@
     </p:spTree>
     <p:extLst>
       <p:ext uri="{BB962C8B-B14F-4D97-AF65-F5344CB8AC3E}">
-        <p14:creationId xmlns="" xmlns:p14="http://schemas.microsoft.com/office/powerpoint/2010/main" val="2097366919"/>
+        <p14:creationId xmlns:p14="http://schemas.microsoft.com/office/powerpoint/2010/main" xmlns="" val="2097366919"/>
       </p:ext>
     </p:extLst>
   </p:cSld>
@@ -1673,7 +1673,7 @@
     </p:spTree>
     <p:extLst>
       <p:ext uri="{BB962C8B-B14F-4D97-AF65-F5344CB8AC3E}">
-        <p14:creationId xmlns="" xmlns:p14="http://schemas.microsoft.com/office/powerpoint/2010/main" val="779007194"/>
+        <p14:creationId xmlns:p14="http://schemas.microsoft.com/office/powerpoint/2010/main" xmlns="" val="779007194"/>
       </p:ext>
     </p:extLst>
   </p:cSld>
@@ -2005,7 +2005,9 @@
           <a:lstStyle/>
           <a:p>
             <a:pPr algn="ctr"/>
-            <a:endParaRPr lang="en-US" dirty="0"/>
+            <a:endParaRPr lang="en-US" dirty="0">
+              <a:latin typeface="Calibri" pitchFamily="34" charset="0"/>
+            </a:endParaRPr>
           </a:p>
         </p:txBody>
       </p:sp>
@@ -2036,7 +2038,7 @@
                 <a:solidFill>
                   <a:schemeClr val="bg1"/>
                 </a:solidFill>
-                <a:latin typeface="Roboto Thin" panose="02000000000000000000" pitchFamily="2" charset="0"/>
+                <a:latin typeface="Calibri" pitchFamily="34" charset="0"/>
                 <a:ea typeface="Roboto Thin" panose="02000000000000000000" pitchFamily="2" charset="0"/>
                 <a:cs typeface="Roboto Thin" panose="02000000000000000000" pitchFamily="2" charset="0"/>
               </a:rPr>
@@ -2046,7 +2048,7 @@
               <a:solidFill>
                 <a:srgbClr val="7564BC"/>
               </a:solidFill>
-              <a:latin typeface="Roboto Thin" panose="02000000000000000000" pitchFamily="2" charset="0"/>
+              <a:latin typeface="Calibri" pitchFamily="34" charset="0"/>
               <a:ea typeface="Roboto Thin" panose="02000000000000000000" pitchFamily="2" charset="0"/>
               <a:cs typeface="Roboto Thin" panose="02000000000000000000" pitchFamily="2" charset="0"/>
             </a:endParaRPr>
@@ -2238,7 +2240,7 @@
                     <a:lumOff val="10000"/>
                   </a:schemeClr>
                 </a:solidFill>
-                <a:latin typeface="Roboto Light" panose="02000000000000000000" pitchFamily="2" charset="0"/>
+                <a:latin typeface="Calibri" pitchFamily="34" charset="0"/>
                 <a:ea typeface="Roboto Light" panose="02000000000000000000" pitchFamily="2" charset="0"/>
                 <a:cs typeface="Roboto Light" panose="02000000000000000000" pitchFamily="2" charset="0"/>
               </a:rPr>
@@ -2251,7 +2253,7 @@
                   <a:lumOff val="10000"/>
                 </a:schemeClr>
               </a:solidFill>
-              <a:latin typeface="Roboto Light" panose="02000000000000000000" pitchFamily="2" charset="0"/>
+              <a:latin typeface="Calibri" pitchFamily="34" charset="0"/>
               <a:ea typeface="Roboto Light" panose="02000000000000000000" pitchFamily="2" charset="0"/>
               <a:cs typeface="Roboto Light" panose="02000000000000000000" pitchFamily="2" charset="0"/>
             </a:endParaRPr>
@@ -2270,7 +2272,7 @@
           <a:blip r:embed="rId2" cstate="print">
             <a:extLst>
               <a:ext uri="{28A0092B-C50C-407E-A947-70E740481C1C}">
-                <a14:useLocalDpi xmlns:a14="http://schemas.microsoft.com/office/drawing/2010/main" xmlns="" val="0"/>
+                <a14:useLocalDpi xmlns="" xmlns:a14="http://schemas.microsoft.com/office/drawing/2010/main" val="0"/>
               </a:ext>
             </a:extLst>
           </a:blip>
@@ -2290,7 +2292,7 @@
           <a:noFill/>
           <a:extLst>
             <a:ext uri="{909E8E84-426E-40DD-AFC4-6F175D3DCCD1}">
-              <a14:hiddenFill xmlns:a14="http://schemas.microsoft.com/office/drawing/2010/main" xmlns="">
+              <a14:hiddenFill xmlns="" xmlns:a14="http://schemas.microsoft.com/office/drawing/2010/main">
                 <a:solidFill>
                   <a:srgbClr val="FFFFFF"/>
                 </a:solidFill>
@@ -2307,8 +2309,8 @@
         </p:nvSpPr>
         <p:spPr>
           <a:xfrm>
-            <a:off x="976313" y="4217802"/>
-            <a:ext cx="6214744" cy="1446550"/>
+            <a:off x="976312" y="4217802"/>
+            <a:ext cx="7124079" cy="707886"/>
           </a:xfrm>
           <a:prstGeom prst="rect">
             <a:avLst/>
@@ -2322,24 +2324,26 @@
           <a:lstStyle/>
           <a:p>
             <a:r>
-              <a:rPr lang="ru-RU" sz="4400" dirty="0" smtClean="0">
+              <a:rPr lang="ru-RU" sz="4000" dirty="0" smtClean="0">
                 <a:solidFill>
                   <a:srgbClr val="7564BC"/>
                 </a:solidFill>
-                <a:latin typeface="Roboto Black" panose="02000000000000000000" pitchFamily="2" charset="0"/>
+                <a:latin typeface="Calibri" pitchFamily="34" charset="0"/>
                 <a:ea typeface="Roboto Black" panose="02000000000000000000" pitchFamily="2" charset="0"/>
                 <a:cs typeface="Roboto Black" panose="02000000000000000000" pitchFamily="2" charset="0"/>
               </a:rPr>
               <a:t>Документ и объекты страницы.</a:t>
             </a:r>
-            <a:endParaRPr lang="en-US" dirty="0"/>
+            <a:endParaRPr lang="en-US" sz="4000" dirty="0">
+              <a:latin typeface="Calibri" pitchFamily="34" charset="0"/>
+            </a:endParaRPr>
           </a:p>
         </p:txBody>
       </p:sp>
     </p:spTree>
     <p:extLst>
       <p:ext uri="{BB962C8B-B14F-4D97-AF65-F5344CB8AC3E}">
-        <p14:creationId xmlns:p14="http://schemas.microsoft.com/office/powerpoint/2010/main" xmlns="" val="3436223543"/>
+        <p14:creationId xmlns="" xmlns:p14="http://schemas.microsoft.com/office/powerpoint/2010/main" val="3436223543"/>
       </p:ext>
     </p:extLst>
   </p:cSld>
@@ -2385,8 +2389,8 @@
         </p:nvSpPr>
         <p:spPr>
           <a:xfrm>
-            <a:off x="457200" y="279401"/>
-            <a:ext cx="8229600" cy="1277391"/>
+            <a:off x="467544" y="404664"/>
+            <a:ext cx="8229600" cy="773335"/>
           </a:xfrm>
         </p:spPr>
         <p:txBody>
@@ -2394,25 +2398,37 @@
           <a:lstStyle/>
           <a:p>
             <a:r>
-              <a:rPr lang="uk-UA" b="1" dirty="0" err="1" smtClean="0"/>
+              <a:rPr lang="uk-UA" dirty="0" err="1" smtClean="0">
+                <a:latin typeface="Calibri" pitchFamily="34" charset="0"/>
+              </a:rPr>
               <a:t>Создание</a:t>
             </a:r>
             <a:r>
-              <a:rPr lang="uk-UA" b="1" dirty="0" smtClean="0"/>
+              <a:rPr lang="uk-UA" b="1" dirty="0" smtClean="0">
+                <a:latin typeface="Calibri" pitchFamily="34" charset="0"/>
+              </a:rPr>
               <a:t> </a:t>
             </a:r>
             <a:r>
-              <a:rPr lang="uk-UA" b="1" dirty="0" err="1" smtClean="0"/>
+              <a:rPr lang="uk-UA" dirty="0" err="1" smtClean="0">
+                <a:latin typeface="Calibri" pitchFamily="34" charset="0"/>
+              </a:rPr>
               <a:t>элемента</a:t>
             </a:r>
             <a:r>
-              <a:rPr lang="uk-UA" dirty="0" smtClean="0"/>
+              <a:rPr lang="uk-UA" dirty="0" smtClean="0">
+                <a:latin typeface="Calibri" pitchFamily="34" charset="0"/>
+              </a:rPr>
               <a:t/>
             </a:r>
             <a:br>
-              <a:rPr lang="uk-UA" dirty="0" smtClean="0"/>
+              <a:rPr lang="uk-UA" dirty="0" smtClean="0">
+                <a:latin typeface="Calibri" pitchFamily="34" charset="0"/>
+              </a:rPr>
             </a:br>
-            <a:endParaRPr lang="en-US" dirty="0"/>
+            <a:endParaRPr lang="en-US" dirty="0">
+              <a:latin typeface="Calibri" pitchFamily="34" charset="0"/>
+            </a:endParaRPr>
           </a:p>
         </p:txBody>
       </p:sp>
@@ -2424,8 +2440,8 @@
         </p:nvSpPr>
         <p:spPr>
           <a:xfrm>
-            <a:off x="611560" y="1340768"/>
-            <a:ext cx="8064896" cy="5170646"/>
+            <a:off x="611560" y="1196752"/>
+            <a:ext cx="8064896" cy="4924425"/>
           </a:xfrm>
           <a:prstGeom prst="rect">
             <a:avLst/>
@@ -2440,296 +2456,391 @@
           <a:p>
             <a:pPr algn="ctr"/>
             <a:r>
-              <a:rPr lang="ru-RU" sz="2000" b="1" dirty="0" smtClean="0"/>
+              <a:rPr lang="ru-RU" sz="2000" b="1" dirty="0" smtClean="0">
+                <a:latin typeface="Calibri" pitchFamily="34" charset="0"/>
+              </a:rPr>
               <a:t>Создание элемента</a:t>
             </a:r>
-            <a:endParaRPr lang="en-US" sz="2000" b="1" dirty="0" smtClean="0"/>
-          </a:p>
-          <a:p>
-            <a:endParaRPr lang="en-US" b="1" dirty="0" smtClean="0"/>
-          </a:p>
-          <a:p>
-            <a:r>
-              <a:rPr lang="en-US" b="1" dirty="0" err="1" smtClean="0"/>
+            <a:endParaRPr lang="en-US" sz="2000" b="1" dirty="0" smtClean="0">
+              <a:latin typeface="Calibri" pitchFamily="34" charset="0"/>
+            </a:endParaRPr>
+          </a:p>
+          <a:p>
+            <a:endParaRPr lang="en-US" b="1" dirty="0" smtClean="0">
+              <a:latin typeface="Calibri" pitchFamily="34" charset="0"/>
+            </a:endParaRPr>
+          </a:p>
+          <a:p>
+            <a:r>
+              <a:rPr lang="en-US" b="1" dirty="0" err="1" smtClean="0">
+                <a:latin typeface="Calibri" pitchFamily="34" charset="0"/>
+              </a:rPr>
               <a:t>document.createElement</a:t>
             </a:r>
             <a:r>
-              <a:rPr lang="en-US" b="1" dirty="0" smtClean="0"/>
+              <a:rPr lang="en-US" b="1" dirty="0" smtClean="0">
+                <a:latin typeface="Calibri" pitchFamily="34" charset="0"/>
+              </a:rPr>
               <a:t>(tag) </a:t>
             </a:r>
             <a:r>
-              <a:rPr lang="en-US" dirty="0" smtClean="0"/>
+              <a:rPr lang="en-US" dirty="0" smtClean="0">
+                <a:latin typeface="Calibri" pitchFamily="34" charset="0"/>
+              </a:rPr>
               <a:t>- </a:t>
             </a:r>
             <a:r>
-              <a:rPr lang="ru-RU" dirty="0" smtClean="0"/>
+              <a:rPr lang="ru-RU" dirty="0" smtClean="0">
+                <a:latin typeface="Calibri" pitchFamily="34" charset="0"/>
+              </a:rPr>
               <a:t>создает новый элемент с указанным тегом. </a:t>
             </a:r>
           </a:p>
           <a:p>
             <a:r>
-              <a:rPr lang="en-US" b="1" dirty="0" err="1" smtClean="0"/>
+              <a:rPr lang="en-US" b="1" dirty="0" err="1" smtClean="0">
+                <a:latin typeface="Calibri" pitchFamily="34" charset="0"/>
+              </a:rPr>
               <a:t>document.createTextNode</a:t>
             </a:r>
             <a:r>
-              <a:rPr lang="en-US" b="1" dirty="0" smtClean="0"/>
+              <a:rPr lang="en-US" b="1" dirty="0" smtClean="0">
+                <a:latin typeface="Calibri" pitchFamily="34" charset="0"/>
+              </a:rPr>
               <a:t>(text</a:t>
             </a:r>
             <a:r>
-              <a:rPr lang="en-US" dirty="0" smtClean="0"/>
+              <a:rPr lang="en-US" dirty="0" smtClean="0">
+                <a:latin typeface="Calibri" pitchFamily="34" charset="0"/>
+              </a:rPr>
               <a:t>)</a:t>
             </a:r>
             <a:r>
-              <a:rPr lang="ru-RU" dirty="0" smtClean="0"/>
-              <a:t> - создает новый *текстовый* узел с текстом </a:t>
-            </a:r>
-            <a:r>
-              <a:rPr lang="en-US" dirty="0" smtClean="0"/>
+              <a:rPr lang="ru-RU" dirty="0" smtClean="0">
+                <a:latin typeface="Calibri" pitchFamily="34" charset="0"/>
+              </a:rPr>
+              <a:t> - создает новый </a:t>
+            </a:r>
+            <a:r>
+              <a:rPr lang="ru-RU" dirty="0" smtClean="0">
+                <a:latin typeface="Calibri" pitchFamily="34" charset="0"/>
+              </a:rPr>
+              <a:t>текстовый </a:t>
+            </a:r>
+            <a:r>
+              <a:rPr lang="ru-RU" dirty="0" smtClean="0">
+                <a:latin typeface="Calibri" pitchFamily="34" charset="0"/>
+              </a:rPr>
+              <a:t>узел с текстом </a:t>
+            </a:r>
+            <a:r>
+              <a:rPr lang="en-US" dirty="0" smtClean="0">
+                <a:latin typeface="Calibri" pitchFamily="34" charset="0"/>
+              </a:rPr>
               <a:t>text.</a:t>
             </a:r>
             <a:r>
-              <a:rPr lang="ru-RU" dirty="0" smtClean="0"/>
+              <a:rPr lang="ru-RU" dirty="0" smtClean="0">
+                <a:latin typeface="Calibri" pitchFamily="34" charset="0"/>
+              </a:rPr>
               <a:t> </a:t>
             </a:r>
           </a:p>
           <a:p>
-            <a:r>
-              <a:rPr lang="en-US" b="1" dirty="0" err="1" smtClean="0"/>
-              <a:t>elem.cloneNode</a:t>
-            </a:r>
-            <a:r>
-              <a:rPr lang="en-US" b="1" dirty="0" smtClean="0"/>
-              <a:t>(node) - </a:t>
-            </a:r>
-            <a:r>
-              <a:rPr lang="ru-RU" dirty="0" smtClean="0"/>
-              <a:t>вызов </a:t>
-            </a:r>
-            <a:r>
-              <a:rPr lang="ru-RU" dirty="0" err="1" smtClean="0"/>
-              <a:t>elem.cloneNode</a:t>
-            </a:r>
-            <a:r>
-              <a:rPr lang="ru-RU" dirty="0" smtClean="0"/>
+            <a:pPr algn="ctr"/>
+            <a:endParaRPr lang="en-US" sz="2000" b="1" dirty="0" smtClean="0">
+              <a:latin typeface="Calibri" pitchFamily="34" charset="0"/>
+            </a:endParaRPr>
+          </a:p>
+          <a:p>
+            <a:pPr algn="ctr"/>
+            <a:endParaRPr lang="en-US" sz="2000" b="1" dirty="0" smtClean="0">
+              <a:latin typeface="Calibri" pitchFamily="34" charset="0"/>
+            </a:endParaRPr>
+          </a:p>
+          <a:p>
+            <a:pPr algn="ctr"/>
+            <a:r>
+              <a:rPr lang="ru-RU" sz="2000" b="1" dirty="0" smtClean="0">
+                <a:latin typeface="Calibri" pitchFamily="34" charset="0"/>
+              </a:rPr>
+              <a:t>Вставка элемента на страницу</a:t>
+            </a:r>
+            <a:endParaRPr lang="en-US" sz="2000" b="1" dirty="0" smtClean="0">
+              <a:latin typeface="Calibri" pitchFamily="34" charset="0"/>
+            </a:endParaRPr>
+          </a:p>
+          <a:p>
+            <a:endParaRPr lang="en-US" dirty="0" smtClean="0">
+              <a:latin typeface="Calibri" pitchFamily="34" charset="0"/>
+            </a:endParaRPr>
+          </a:p>
+          <a:p>
+            <a:r>
+              <a:rPr lang="en-US" b="1" dirty="0" err="1" smtClean="0">
+                <a:latin typeface="Calibri" pitchFamily="34" charset="0"/>
+              </a:rPr>
+              <a:t>parentElem.appendChild</a:t>
+            </a:r>
+            <a:r>
+              <a:rPr lang="en-US" b="1" dirty="0" smtClean="0">
+                <a:latin typeface="Calibri" pitchFamily="34" charset="0"/>
+              </a:rPr>
               <a:t>(</a:t>
             </a:r>
             <a:r>
-              <a:rPr lang="ru-RU" dirty="0" err="1" smtClean="0"/>
-              <a:t>true</a:t>
-            </a:r>
-            <a:r>
-              <a:rPr lang="ru-RU" dirty="0" smtClean="0"/>
-              <a:t>) создаст «глубокую» копию элемента – вместе с атрибутами, включая </a:t>
-            </a:r>
-            <a:r>
-              <a:rPr lang="ru-RU" dirty="0" err="1" smtClean="0"/>
-              <a:t>подэлементы</a:t>
-            </a:r>
-            <a:r>
-              <a:rPr lang="ru-RU" dirty="0" smtClean="0"/>
-              <a:t>. Если же вызвать с аргументом </a:t>
-            </a:r>
-            <a:r>
-              <a:rPr lang="ru-RU" dirty="0" err="1" smtClean="0"/>
-              <a:t>false</a:t>
-            </a:r>
-            <a:r>
-              <a:rPr lang="ru-RU" dirty="0" smtClean="0"/>
-              <a:t>, то копия будет сделана без дочерних элементов. </a:t>
-            </a:r>
-          </a:p>
-          <a:p>
-            <a:pPr algn="ctr"/>
-            <a:endParaRPr lang="en-US" sz="2000" b="1" dirty="0" smtClean="0"/>
-          </a:p>
-          <a:p>
-            <a:pPr algn="ctr"/>
-            <a:r>
-              <a:rPr lang="ru-RU" sz="2000" b="1" dirty="0" smtClean="0"/>
-              <a:t>Вставка элемента на страницу</a:t>
-            </a:r>
-            <a:endParaRPr lang="en-US" sz="2000" b="1" dirty="0" smtClean="0"/>
-          </a:p>
-          <a:p>
-            <a:endParaRPr lang="en-US" dirty="0" smtClean="0"/>
-          </a:p>
-          <a:p>
-            <a:r>
-              <a:rPr lang="en-US" b="1" dirty="0" err="1" smtClean="0"/>
+              <a:rPr lang="en-US" b="1" dirty="0" err="1" smtClean="0">
+                <a:latin typeface="Calibri" pitchFamily="34" charset="0"/>
+              </a:rPr>
+              <a:t>elem</a:t>
+            </a:r>
+            <a:r>
+              <a:rPr lang="en-US" dirty="0" smtClean="0">
+                <a:latin typeface="Calibri" pitchFamily="34" charset="0"/>
+              </a:rPr>
+              <a:t>) - </a:t>
+            </a:r>
+            <a:r>
+              <a:rPr lang="ru-RU" dirty="0" smtClean="0">
+                <a:latin typeface="Calibri" pitchFamily="34" charset="0"/>
+              </a:rPr>
+              <a:t>добавляет </a:t>
+            </a:r>
+            <a:r>
+              <a:rPr lang="ru-RU" dirty="0" err="1" smtClean="0">
+                <a:latin typeface="Calibri" pitchFamily="34" charset="0"/>
+              </a:rPr>
+              <a:t>elem</a:t>
+            </a:r>
+            <a:r>
+              <a:rPr lang="ru-RU" dirty="0" smtClean="0">
+                <a:latin typeface="Calibri" pitchFamily="34" charset="0"/>
+              </a:rPr>
+              <a:t> в конец дочерних</a:t>
+            </a:r>
+            <a:r>
+              <a:rPr lang="en-US" dirty="0" smtClean="0">
+                <a:latin typeface="Calibri" pitchFamily="34" charset="0"/>
+              </a:rPr>
+              <a:t> </a:t>
+            </a:r>
+            <a:r>
+              <a:rPr lang="ru-RU" dirty="0" smtClean="0">
+                <a:latin typeface="Calibri" pitchFamily="34" charset="0"/>
+              </a:rPr>
+              <a:t>элементов </a:t>
+            </a:r>
+            <a:r>
+              <a:rPr lang="ru-RU" dirty="0" err="1" smtClean="0">
+                <a:latin typeface="Calibri" pitchFamily="34" charset="0"/>
+              </a:rPr>
+              <a:t>parentElem</a:t>
+            </a:r>
+            <a:r>
+              <a:rPr lang="ru-RU" dirty="0" smtClean="0">
+                <a:latin typeface="Calibri" pitchFamily="34" charset="0"/>
+              </a:rPr>
+              <a:t>.</a:t>
+            </a:r>
+            <a:r>
+              <a:rPr lang="en-US" dirty="0" smtClean="0">
+                <a:latin typeface="Calibri" pitchFamily="34" charset="0"/>
+              </a:rPr>
+              <a:t> </a:t>
+            </a:r>
+            <a:endParaRPr lang="ru-RU" dirty="0" smtClean="0">
+              <a:latin typeface="Calibri" pitchFamily="34" charset="0"/>
+            </a:endParaRPr>
+          </a:p>
+          <a:p>
+            <a:r>
+              <a:rPr lang="en-US" b="1" dirty="0" err="1" smtClean="0">
+                <a:latin typeface="Calibri" pitchFamily="34" charset="0"/>
+              </a:rPr>
+              <a:t>parentElem.insertBefore</a:t>
+            </a:r>
+            <a:r>
+              <a:rPr lang="en-US" b="1" dirty="0" smtClean="0">
+                <a:latin typeface="Calibri" pitchFamily="34" charset="0"/>
+              </a:rPr>
+              <a:t>(</a:t>
+            </a:r>
+            <a:r>
+              <a:rPr lang="en-US" b="1" dirty="0" err="1" smtClean="0">
+                <a:latin typeface="Calibri" pitchFamily="34" charset="0"/>
+              </a:rPr>
+              <a:t>elem</a:t>
+            </a:r>
+            <a:r>
+              <a:rPr lang="en-US" b="1" dirty="0" smtClean="0">
+                <a:latin typeface="Calibri" pitchFamily="34" charset="0"/>
+              </a:rPr>
+              <a:t>, </a:t>
+            </a:r>
+            <a:r>
+              <a:rPr lang="en-US" b="1" dirty="0" err="1" smtClean="0">
+                <a:latin typeface="Calibri" pitchFamily="34" charset="0"/>
+              </a:rPr>
+              <a:t>nextSibling</a:t>
+            </a:r>
+            <a:r>
+              <a:rPr lang="en-US" b="1" dirty="0" smtClean="0">
+                <a:latin typeface="Calibri" pitchFamily="34" charset="0"/>
+              </a:rPr>
+              <a:t>)</a:t>
+            </a:r>
+            <a:r>
+              <a:rPr lang="ru-RU" b="1" dirty="0" smtClean="0">
+                <a:latin typeface="Calibri" pitchFamily="34" charset="0"/>
+              </a:rPr>
+              <a:t> </a:t>
+            </a:r>
+            <a:r>
+              <a:rPr lang="ru-RU" dirty="0" smtClean="0">
+                <a:latin typeface="Calibri" pitchFamily="34" charset="0"/>
+              </a:rPr>
+              <a:t>- вставляет </a:t>
+            </a:r>
+            <a:r>
+              <a:rPr lang="ru-RU" dirty="0" err="1" smtClean="0">
+                <a:latin typeface="Calibri" pitchFamily="34" charset="0"/>
+              </a:rPr>
+              <a:t>elem</a:t>
+            </a:r>
+            <a:r>
+              <a:rPr lang="ru-RU" dirty="0" smtClean="0">
+                <a:latin typeface="Calibri" pitchFamily="34" charset="0"/>
+              </a:rPr>
+              <a:t> в коллекцию детей </a:t>
+            </a:r>
+            <a:r>
+              <a:rPr lang="ru-RU" dirty="0" err="1" smtClean="0">
+                <a:latin typeface="Calibri" pitchFamily="34" charset="0"/>
+              </a:rPr>
+              <a:t>parentElem</a:t>
+            </a:r>
+            <a:r>
+              <a:rPr lang="ru-RU" dirty="0" smtClean="0">
+                <a:latin typeface="Calibri" pitchFamily="34" charset="0"/>
+              </a:rPr>
+              <a:t>, перед элементом </a:t>
+            </a:r>
+            <a:r>
+              <a:rPr lang="ru-RU" dirty="0" err="1" smtClean="0">
+                <a:latin typeface="Calibri" pitchFamily="34" charset="0"/>
+              </a:rPr>
+              <a:t>nextSibling</a:t>
+            </a:r>
+            <a:r>
+              <a:rPr lang="ru-RU" dirty="0" smtClean="0">
+                <a:latin typeface="Calibri" pitchFamily="34" charset="0"/>
+              </a:rPr>
+              <a:t>. </a:t>
+            </a:r>
+          </a:p>
+          <a:p>
+            <a:endParaRPr lang="en-US" dirty="0" smtClean="0">
+              <a:latin typeface="Calibri" pitchFamily="34" charset="0"/>
+            </a:endParaRPr>
+          </a:p>
+          <a:p>
+            <a:endParaRPr lang="ru-RU" dirty="0" smtClean="0">
+              <a:latin typeface="Calibri" pitchFamily="34" charset="0"/>
+            </a:endParaRPr>
+          </a:p>
+          <a:p>
+            <a:r>
+              <a:rPr lang="ru-RU" dirty="0" smtClean="0">
+                <a:latin typeface="Calibri" pitchFamily="34" charset="0"/>
+              </a:rPr>
+              <a:t>Все методы вставки элементов на страницу возвращают вставленный узел. </a:t>
+            </a:r>
+          </a:p>
+          <a:p>
+            <a:r>
+              <a:rPr lang="uk-UA" dirty="0" err="1" smtClean="0">
+                <a:latin typeface="Calibri" pitchFamily="34" charset="0"/>
+              </a:rPr>
+              <a:t>Например</a:t>
+            </a:r>
+            <a:r>
+              <a:rPr lang="uk-UA" dirty="0" smtClean="0">
+                <a:latin typeface="Calibri" pitchFamily="34" charset="0"/>
+              </a:rPr>
+              <a:t>, </a:t>
+            </a:r>
+            <a:r>
+              <a:rPr lang="en-US" b="1" dirty="0" err="1" smtClean="0">
+                <a:latin typeface="Calibri" pitchFamily="34" charset="0"/>
+              </a:rPr>
               <a:t>parentElem.appendChild</a:t>
             </a:r>
             <a:r>
-              <a:rPr lang="en-US" b="1" dirty="0" smtClean="0"/>
+              <a:rPr lang="en-US" b="1" dirty="0" smtClean="0">
+                <a:latin typeface="Calibri" pitchFamily="34" charset="0"/>
+              </a:rPr>
               <a:t>(</a:t>
             </a:r>
             <a:r>
-              <a:rPr lang="en-US" b="1" dirty="0" err="1" smtClean="0"/>
+              <a:rPr lang="en-US" b="1" dirty="0" err="1" smtClean="0">
+                <a:latin typeface="Calibri" pitchFamily="34" charset="0"/>
+              </a:rPr>
               <a:t>elem</a:t>
             </a:r>
             <a:r>
-              <a:rPr lang="en-US" dirty="0" smtClean="0"/>
-              <a:t>) - </a:t>
-            </a:r>
-            <a:r>
-              <a:rPr lang="ru-RU" dirty="0" smtClean="0"/>
-              <a:t>добавляет </a:t>
-            </a:r>
-            <a:r>
-              <a:rPr lang="ru-RU" dirty="0" err="1" smtClean="0"/>
+              <a:rPr lang="en-US" b="1" dirty="0" smtClean="0">
+                <a:latin typeface="Calibri" pitchFamily="34" charset="0"/>
+              </a:rPr>
+              <a:t>)</a:t>
+            </a:r>
+            <a:r>
+              <a:rPr lang="en-US" dirty="0" smtClean="0">
+                <a:latin typeface="Calibri" pitchFamily="34" charset="0"/>
+              </a:rPr>
+              <a:t> </a:t>
+            </a:r>
+            <a:r>
+              <a:rPr lang="uk-UA" dirty="0" err="1" smtClean="0">
+                <a:latin typeface="Calibri" pitchFamily="34" charset="0"/>
+              </a:rPr>
+              <a:t>возвращает</a:t>
+            </a:r>
+            <a:r>
+              <a:rPr lang="uk-UA" b="1" dirty="0" smtClean="0">
+                <a:latin typeface="Calibri" pitchFamily="34" charset="0"/>
+              </a:rPr>
+              <a:t> </a:t>
+            </a:r>
+            <a:r>
+              <a:rPr lang="en-US" b="1" dirty="0" smtClean="0">
+                <a:latin typeface="Calibri" pitchFamily="34" charset="0"/>
+              </a:rPr>
               <a:t>elem</a:t>
             </a:r>
             <a:r>
-              <a:rPr lang="ru-RU" dirty="0" smtClean="0"/>
-              <a:t> в конец дочерних</a:t>
-            </a:r>
-            <a:r>
-              <a:rPr lang="en-US" dirty="0" smtClean="0"/>
+              <a:rPr lang="en-US" dirty="0" smtClean="0">
+                <a:latin typeface="Calibri" pitchFamily="34" charset="0"/>
+              </a:rPr>
+              <a:t>. </a:t>
+            </a:r>
+          </a:p>
+          <a:p>
+            <a:r>
+              <a:rPr lang="en-US" dirty="0" smtClean="0">
+                <a:latin typeface="Calibri" pitchFamily="34" charset="0"/>
+              </a:rPr>
               <a:t> </a:t>
             </a:r>
-            <a:r>
-              <a:rPr lang="ru-RU" dirty="0" smtClean="0"/>
-              <a:t>элементов </a:t>
-            </a:r>
-            <a:r>
-              <a:rPr lang="ru-RU" dirty="0" err="1" smtClean="0"/>
-              <a:t>parentElem</a:t>
-            </a:r>
-            <a:r>
-              <a:rPr lang="ru-RU" dirty="0" smtClean="0"/>
-              <a:t>.</a:t>
-            </a:r>
-            <a:r>
-              <a:rPr lang="en-US" dirty="0" smtClean="0"/>
-              <a:t> </a:t>
-            </a:r>
-            <a:endParaRPr lang="ru-RU" dirty="0" smtClean="0"/>
-          </a:p>
-          <a:p>
-            <a:r>
-              <a:rPr lang="en-US" b="1" dirty="0" err="1" smtClean="0"/>
-              <a:t>parentElem.insertBefore</a:t>
-            </a:r>
-            <a:r>
-              <a:rPr lang="en-US" b="1" dirty="0" smtClean="0"/>
-              <a:t>(</a:t>
-            </a:r>
-            <a:r>
-              <a:rPr lang="en-US" b="1" dirty="0" err="1" smtClean="0"/>
-              <a:t>elem</a:t>
-            </a:r>
-            <a:r>
-              <a:rPr lang="en-US" b="1" dirty="0" smtClean="0"/>
-              <a:t>, </a:t>
-            </a:r>
-            <a:r>
-              <a:rPr lang="en-US" b="1" dirty="0" err="1" smtClean="0"/>
-              <a:t>nextSibling</a:t>
-            </a:r>
-            <a:r>
-              <a:rPr lang="en-US" b="1" dirty="0" smtClean="0"/>
-              <a:t>)</a:t>
-            </a:r>
-            <a:r>
-              <a:rPr lang="ru-RU" b="1" dirty="0" smtClean="0"/>
-              <a:t> </a:t>
-            </a:r>
-            <a:r>
-              <a:rPr lang="ru-RU" dirty="0" smtClean="0"/>
-              <a:t>- вставляет </a:t>
-            </a:r>
-            <a:r>
-              <a:rPr lang="ru-RU" dirty="0" err="1" smtClean="0"/>
-              <a:t>elem</a:t>
-            </a:r>
-            <a:r>
-              <a:rPr lang="ru-RU" dirty="0" smtClean="0"/>
-              <a:t> в коллекцию детей </a:t>
-            </a:r>
-            <a:r>
-              <a:rPr lang="ru-RU" dirty="0" err="1" smtClean="0"/>
-              <a:t>parentElem</a:t>
-            </a:r>
-            <a:r>
-              <a:rPr lang="ru-RU" dirty="0" smtClean="0"/>
-              <a:t>, перед элементом </a:t>
-            </a:r>
-            <a:r>
-              <a:rPr lang="ru-RU" dirty="0" err="1" smtClean="0"/>
-              <a:t>nextSibling</a:t>
-            </a:r>
-            <a:r>
-              <a:rPr lang="ru-RU" dirty="0" smtClean="0"/>
-              <a:t>. </a:t>
-            </a:r>
-          </a:p>
-          <a:p>
-            <a:endParaRPr lang="ru-RU" dirty="0" smtClean="0"/>
-          </a:p>
-          <a:p>
-            <a:r>
-              <a:rPr lang="ru-RU" dirty="0" smtClean="0"/>
-              <a:t>Все методы вставки элементов на страницу возвращают вставленный узел. </a:t>
-            </a:r>
-          </a:p>
-          <a:p>
-            <a:r>
-              <a:rPr lang="uk-UA" dirty="0" err="1" smtClean="0"/>
-              <a:t>Например</a:t>
-            </a:r>
-            <a:r>
-              <a:rPr lang="uk-UA" dirty="0" smtClean="0"/>
-              <a:t>, </a:t>
-            </a:r>
-            <a:r>
-              <a:rPr lang="en-US" b="1" dirty="0" err="1" smtClean="0"/>
-              <a:t>parentElem.appendChild</a:t>
-            </a:r>
-            <a:r>
-              <a:rPr lang="en-US" b="1" dirty="0" smtClean="0"/>
-              <a:t>(</a:t>
-            </a:r>
-            <a:r>
-              <a:rPr lang="en-US" b="1" dirty="0" err="1" smtClean="0"/>
-              <a:t>elem</a:t>
-            </a:r>
-            <a:r>
-              <a:rPr lang="en-US" b="1" dirty="0" smtClean="0"/>
-              <a:t>)</a:t>
-            </a:r>
-            <a:r>
-              <a:rPr lang="en-US" dirty="0" smtClean="0"/>
-              <a:t> </a:t>
-            </a:r>
-            <a:r>
-              <a:rPr lang="uk-UA" dirty="0" err="1" smtClean="0"/>
-              <a:t>возвращает</a:t>
-            </a:r>
-            <a:r>
-              <a:rPr lang="uk-UA" b="1" dirty="0" smtClean="0"/>
-              <a:t> </a:t>
-            </a:r>
-            <a:r>
-              <a:rPr lang="en-US" b="1" dirty="0" smtClean="0"/>
-              <a:t>elem</a:t>
-            </a:r>
-            <a:r>
-              <a:rPr lang="en-US" dirty="0" smtClean="0"/>
-              <a:t>. </a:t>
-            </a:r>
-          </a:p>
-          <a:p>
-            <a:r>
-              <a:rPr lang="en-US" dirty="0" smtClean="0"/>
-              <a:t> </a:t>
-            </a:r>
-            <a:endParaRPr lang="en-US" dirty="0"/>
+            <a:endParaRPr lang="en-US" dirty="0">
+              <a:latin typeface="Calibri" pitchFamily="34" charset="0"/>
+            </a:endParaRPr>
           </a:p>
         </p:txBody>
       </p:sp>
     </p:spTree>
     <p:extLst>
       <p:ext uri="{BB962C8B-B14F-4D97-AF65-F5344CB8AC3E}">
-        <p14:creationId xmlns="" xmlns:p14="http://schemas.microsoft.com/office/powerpoint/2010/main" val="9290874"/>
+        <p14:creationId xmlns:p14="http://schemas.microsoft.com/office/powerpoint/2010/main" xmlns="" val="9290874"/>
       </p:ext>
     </p:extLst>
   </p:cSld>
@@ -2775,7 +2886,7 @@
         </p:nvSpPr>
         <p:spPr>
           <a:xfrm>
-            <a:off x="457200" y="279401"/>
+            <a:off x="467544" y="260648"/>
             <a:ext cx="8229600" cy="701327"/>
           </a:xfrm>
         </p:spPr>
@@ -2784,10 +2895,14 @@
           <a:lstStyle/>
           <a:p>
             <a:r>
-              <a:rPr lang="ru-RU" b="1" dirty="0" smtClean="0"/>
+              <a:rPr lang="ru-RU" sz="2800" dirty="0" smtClean="0">
+                <a:latin typeface="Calibri" pitchFamily="34" charset="0"/>
+              </a:rPr>
               <a:t>Удаление элемента</a:t>
             </a:r>
-            <a:endParaRPr lang="en-US" b="1" dirty="0"/>
+            <a:endParaRPr lang="en-US" sz="2800" dirty="0">
+              <a:latin typeface="Calibri" pitchFamily="34" charset="0"/>
+            </a:endParaRPr>
           </a:p>
         </p:txBody>
       </p:sp>
@@ -2799,8 +2914,8 @@
         </p:nvSpPr>
         <p:spPr>
           <a:xfrm>
-            <a:off x="827584" y="1124744"/>
-            <a:ext cx="7704856" cy="2646878"/>
+            <a:off x="827584" y="1772816"/>
+            <a:ext cx="7704856" cy="1754326"/>
           </a:xfrm>
           <a:prstGeom prst="rect">
             <a:avLst/>
@@ -2814,466 +2929,239 @@
           <a:lstStyle/>
           <a:p>
             <a:r>
-              <a:rPr lang="ru-RU" sz="2000" dirty="0" smtClean="0"/>
-              <a:t>Для удаления узла есть два метода: </a:t>
-            </a:r>
-          </a:p>
-          <a:p>
-            <a:endParaRPr lang="ru-RU" sz="2000" dirty="0" smtClean="0"/>
-          </a:p>
-          <a:p>
-            <a:r>
-              <a:rPr lang="en-US" b="1" dirty="0" err="1" smtClean="0"/>
+              <a:rPr lang="ru-RU" dirty="0" smtClean="0">
+                <a:latin typeface="Calibri" pitchFamily="34" charset="0"/>
+              </a:rPr>
+              <a:t>Методы</a:t>
+            </a:r>
+            <a:r>
+              <a:rPr lang="en-US" dirty="0" smtClean="0">
+                <a:latin typeface="Calibri" pitchFamily="34" charset="0"/>
+              </a:rPr>
+              <a:t>: </a:t>
+            </a:r>
+          </a:p>
+          <a:p>
+            <a:endParaRPr lang="ru-RU" dirty="0" smtClean="0">
+              <a:latin typeface="Calibri" pitchFamily="34" charset="0"/>
+            </a:endParaRPr>
+          </a:p>
+          <a:p>
+            <a:r>
+              <a:rPr lang="en-US" b="1" dirty="0" err="1" smtClean="0">
+                <a:latin typeface="Calibri" pitchFamily="34" charset="0"/>
+              </a:rPr>
               <a:t>parentElem.removeChild</a:t>
             </a:r>
             <a:r>
-              <a:rPr lang="en-US" b="1" dirty="0" smtClean="0"/>
+              <a:rPr lang="en-US" b="1" dirty="0" smtClean="0">
+                <a:latin typeface="Calibri" pitchFamily="34" charset="0"/>
+              </a:rPr>
               <a:t>(</a:t>
             </a:r>
             <a:r>
-              <a:rPr lang="en-US" b="1" dirty="0" err="1" smtClean="0"/>
+              <a:rPr lang="en-US" b="1" dirty="0" err="1" smtClean="0">
+                <a:latin typeface="Calibri" pitchFamily="34" charset="0"/>
+              </a:rPr>
               <a:t>elem</a:t>
             </a:r>
             <a:r>
-              <a:rPr lang="en-US" b="1" dirty="0" smtClean="0"/>
+              <a:rPr lang="en-US" b="1" dirty="0" smtClean="0">
+                <a:latin typeface="Calibri" pitchFamily="34" charset="0"/>
+              </a:rPr>
               <a:t>)</a:t>
             </a:r>
             <a:r>
-              <a:rPr lang="ru-RU" b="1" dirty="0" smtClean="0"/>
+              <a:rPr lang="ru-RU" b="1" dirty="0" smtClean="0">
+                <a:latin typeface="Calibri" pitchFamily="34" charset="0"/>
+              </a:rPr>
               <a:t> </a:t>
             </a:r>
             <a:r>
-              <a:rPr lang="ru-RU" dirty="0" smtClean="0"/>
+              <a:rPr lang="ru-RU" dirty="0" smtClean="0">
+                <a:latin typeface="Calibri" pitchFamily="34" charset="0"/>
+              </a:rPr>
               <a:t>-  удаляет </a:t>
             </a:r>
             <a:r>
-              <a:rPr lang="ru-RU" dirty="0" err="1" smtClean="0"/>
+              <a:rPr lang="ru-RU" dirty="0" err="1" smtClean="0">
+                <a:latin typeface="Calibri" pitchFamily="34" charset="0"/>
+              </a:rPr>
               <a:t>elem</a:t>
             </a:r>
             <a:r>
-              <a:rPr lang="ru-RU" dirty="0" smtClean="0"/>
+              <a:rPr lang="ru-RU" dirty="0" smtClean="0">
+                <a:latin typeface="Calibri" pitchFamily="34" charset="0"/>
+              </a:rPr>
               <a:t> из списка детей </a:t>
             </a:r>
             <a:r>
-              <a:rPr lang="ru-RU" dirty="0" err="1" smtClean="0"/>
+              <a:rPr lang="ru-RU" dirty="0" err="1" smtClean="0">
+                <a:latin typeface="Calibri" pitchFamily="34" charset="0"/>
+              </a:rPr>
               <a:t>parentElem</a:t>
             </a:r>
             <a:r>
-              <a:rPr lang="ru-RU" dirty="0" smtClean="0"/>
+              <a:rPr lang="ru-RU" dirty="0" smtClean="0">
+                <a:latin typeface="Calibri" pitchFamily="34" charset="0"/>
+              </a:rPr>
               <a:t>. </a:t>
             </a:r>
           </a:p>
           <a:p>
             <a:r>
-              <a:rPr lang="en-US" b="1" dirty="0" err="1" smtClean="0"/>
+              <a:rPr lang="en-US" b="1" dirty="0" err="1" smtClean="0">
+                <a:latin typeface="Calibri" pitchFamily="34" charset="0"/>
+              </a:rPr>
               <a:t>parentElem.replaceChild</a:t>
             </a:r>
             <a:r>
-              <a:rPr lang="en-US" b="1" dirty="0" smtClean="0"/>
+              <a:rPr lang="en-US" b="1" dirty="0" smtClean="0">
+                <a:latin typeface="Calibri" pitchFamily="34" charset="0"/>
+              </a:rPr>
               <a:t>(</a:t>
             </a:r>
             <a:r>
-              <a:rPr lang="en-US" b="1" dirty="0" err="1" smtClean="0"/>
+              <a:rPr lang="en-US" b="1" dirty="0" err="1" smtClean="0">
+                <a:latin typeface="Calibri" pitchFamily="34" charset="0"/>
+              </a:rPr>
               <a:t>newElem</a:t>
             </a:r>
             <a:r>
-              <a:rPr lang="en-US" b="1" dirty="0" smtClean="0"/>
+              <a:rPr lang="en-US" b="1" dirty="0" smtClean="0">
+                <a:latin typeface="Calibri" pitchFamily="34" charset="0"/>
+              </a:rPr>
               <a:t>, </a:t>
             </a:r>
             <a:r>
-              <a:rPr lang="en-US" b="1" dirty="0" err="1" smtClean="0"/>
+              <a:rPr lang="en-US" b="1" dirty="0" err="1" smtClean="0">
+                <a:latin typeface="Calibri" pitchFamily="34" charset="0"/>
+              </a:rPr>
               <a:t>elem</a:t>
             </a:r>
             <a:r>
-              <a:rPr lang="en-US" b="1" dirty="0" smtClean="0"/>
+              <a:rPr lang="en-US" b="1" dirty="0" smtClean="0">
+                <a:latin typeface="Calibri" pitchFamily="34" charset="0"/>
+              </a:rPr>
               <a:t>)</a:t>
             </a:r>
             <a:r>
-              <a:rPr lang="ru-RU" b="1" dirty="0" smtClean="0"/>
+              <a:rPr lang="ru-RU" b="1" dirty="0" smtClean="0">
+                <a:latin typeface="Calibri" pitchFamily="34" charset="0"/>
+              </a:rPr>
               <a:t> </a:t>
             </a:r>
             <a:r>
-              <a:rPr lang="ru-RU" dirty="0" smtClean="0"/>
+              <a:rPr lang="ru-RU" dirty="0" smtClean="0">
+                <a:latin typeface="Calibri" pitchFamily="34" charset="0"/>
+              </a:rPr>
               <a:t>– Среди детей </a:t>
             </a:r>
             <a:r>
-              <a:rPr lang="ru-RU" dirty="0" err="1" smtClean="0"/>
+              <a:rPr lang="ru-RU" dirty="0" err="1" smtClean="0">
+                <a:latin typeface="Calibri" pitchFamily="34" charset="0"/>
+              </a:rPr>
               <a:t>parentElem</a:t>
             </a:r>
             <a:r>
-              <a:rPr lang="ru-RU" dirty="0" smtClean="0"/>
+              <a:rPr lang="ru-RU" dirty="0" smtClean="0">
+                <a:latin typeface="Calibri" pitchFamily="34" charset="0"/>
+              </a:rPr>
               <a:t> </a:t>
             </a:r>
           </a:p>
           <a:p>
             <a:r>
-              <a:rPr lang="ru-RU" dirty="0" smtClean="0"/>
+              <a:rPr lang="ru-RU" dirty="0" smtClean="0">
+                <a:latin typeface="Calibri" pitchFamily="34" charset="0"/>
+              </a:rPr>
               <a:t>удаляет </a:t>
             </a:r>
             <a:r>
-              <a:rPr lang="ru-RU" dirty="0" err="1" smtClean="0"/>
+              <a:rPr lang="ru-RU" dirty="0" err="1" smtClean="0">
+                <a:latin typeface="Calibri" pitchFamily="34" charset="0"/>
+              </a:rPr>
               <a:t>elem</a:t>
             </a:r>
             <a:r>
-              <a:rPr lang="ru-RU" dirty="0" smtClean="0"/>
+              <a:rPr lang="ru-RU" dirty="0" smtClean="0">
+                <a:latin typeface="Calibri" pitchFamily="34" charset="0"/>
+              </a:rPr>
               <a:t> и вставляет на его место </a:t>
             </a:r>
             <a:r>
-              <a:rPr lang="ru-RU" dirty="0" err="1" smtClean="0"/>
+              <a:rPr lang="ru-RU" dirty="0" err="1" smtClean="0">
+                <a:latin typeface="Calibri" pitchFamily="34" charset="0"/>
+              </a:rPr>
               <a:t>newElem</a:t>
             </a:r>
             <a:r>
-              <a:rPr lang="ru-RU" dirty="0" smtClean="0"/>
+              <a:rPr lang="ru-RU" dirty="0" smtClean="0">
+                <a:latin typeface="Calibri" pitchFamily="34" charset="0"/>
+              </a:rPr>
               <a:t>. </a:t>
             </a:r>
           </a:p>
           <a:p>
-            <a:endParaRPr lang="ru-RU" dirty="0" smtClean="0"/>
-          </a:p>
-          <a:p>
-            <a:pPr algn="just"/>
-            <a:r>
-              <a:rPr lang="ru-RU" dirty="0" smtClean="0"/>
-              <a:t>Если необходимо </a:t>
-            </a:r>
-            <a:r>
-              <a:rPr lang="ru-RU" i="1" dirty="0" smtClean="0"/>
-              <a:t>переместить</a:t>
-            </a:r>
-            <a:r>
-              <a:rPr lang="ru-RU" dirty="0" smtClean="0"/>
-              <a:t> элемент на новое место – не нужно его удалять со старого. </a:t>
-            </a:r>
-            <a:r>
-              <a:rPr lang="ru-RU" b="1" dirty="0" smtClean="0"/>
-              <a:t>Все методы вставки автоматически удаляют вставляемый элемент со старого места. </a:t>
-            </a:r>
-            <a:r>
-              <a:rPr lang="ru-RU" dirty="0" smtClean="0"/>
-              <a:t>Например</a:t>
-            </a:r>
-            <a:r>
-              <a:rPr lang="en-US" dirty="0" smtClean="0"/>
-              <a:t>: </a:t>
-            </a:r>
+            <a:endParaRPr lang="ru-RU" dirty="0" smtClean="0">
+              <a:latin typeface="Calibri" pitchFamily="34" charset="0"/>
+            </a:endParaRPr>
           </a:p>
         </p:txBody>
       </p:sp>
       <p:sp>
         <p:nvSpPr>
-          <p:cNvPr id="4" name="TextBox 3"/>
+          <p:cNvPr id="5" name="TextBox 4"/>
           <p:cNvSpPr txBox="1"/>
           <p:nvPr/>
         </p:nvSpPr>
         <p:spPr>
           <a:xfrm>
-            <a:off x="899592" y="4149080"/>
-            <a:ext cx="6336704" cy="2308324"/>
+            <a:off x="827584" y="3933056"/>
+            <a:ext cx="7560840" cy="1200329"/>
           </a:xfrm>
           <a:prstGeom prst="rect">
             <a:avLst/>
           </a:prstGeom>
-        </p:spPr>
-        <p:style>
-          <a:lnRef idx="2">
-            <a:schemeClr val="accent5"/>
-          </a:lnRef>
-          <a:fillRef idx="1">
-            <a:schemeClr val="lt1"/>
-          </a:fillRef>
-          <a:effectRef idx="0">
-            <a:schemeClr val="accent5"/>
-          </a:effectRef>
-          <a:fontRef idx="minor">
-            <a:schemeClr val="dk1"/>
-          </a:fontRef>
-        </p:style>
+          <a:noFill/>
+        </p:spPr>
         <p:txBody>
           <a:bodyPr wrap="square" rtlCol="0">
             <a:spAutoFit/>
           </a:bodyPr>
           <a:lstStyle/>
           <a:p>
-            <a:pPr algn="just"/>
-            <a:r>
-              <a:rPr lang="en-US" dirty="0" smtClean="0"/>
-              <a:t>&lt;div&gt;</a:t>
-            </a:r>
-            <a:r>
-              <a:rPr lang="uk-UA" dirty="0" err="1" smtClean="0"/>
-              <a:t>Первый</a:t>
-            </a:r>
-            <a:r>
-              <a:rPr lang="uk-UA" dirty="0" smtClean="0"/>
-              <a:t>&lt;/</a:t>
-            </a:r>
-            <a:r>
-              <a:rPr lang="en-US" dirty="0" smtClean="0"/>
-              <a:t>div&gt;</a:t>
-            </a:r>
-          </a:p>
-          <a:p>
-            <a:pPr algn="just"/>
-            <a:r>
-              <a:rPr lang="en-US" dirty="0" smtClean="0"/>
-              <a:t>&lt;div&gt;</a:t>
-            </a:r>
-            <a:r>
-              <a:rPr lang="uk-UA" dirty="0" err="1" smtClean="0"/>
-              <a:t>Второй</a:t>
-            </a:r>
-            <a:r>
-              <a:rPr lang="uk-UA" dirty="0" smtClean="0"/>
-              <a:t>&lt;/</a:t>
-            </a:r>
-            <a:r>
-              <a:rPr lang="en-US" dirty="0" smtClean="0"/>
-              <a:t>div&gt; </a:t>
-            </a:r>
-          </a:p>
-          <a:p>
-            <a:pPr algn="just"/>
-            <a:r>
-              <a:rPr lang="en-US" dirty="0" smtClean="0"/>
-              <a:t>&lt;script&gt; </a:t>
-            </a:r>
-          </a:p>
-          <a:p>
-            <a:pPr algn="just"/>
-            <a:r>
-              <a:rPr lang="en-US" dirty="0" err="1" smtClean="0">
-                <a:solidFill>
-                  <a:schemeClr val="accent1">
-                    <a:lumMod val="75000"/>
-                  </a:schemeClr>
-                </a:solidFill>
-              </a:rPr>
-              <a:t>var</a:t>
-            </a:r>
-            <a:r>
-              <a:rPr lang="en-US" dirty="0" smtClean="0"/>
-              <a:t> first = </a:t>
-            </a:r>
-            <a:r>
-              <a:rPr lang="en-US" dirty="0" err="1" smtClean="0">
-                <a:solidFill>
-                  <a:schemeClr val="accent1">
-                    <a:lumMod val="75000"/>
-                  </a:schemeClr>
-                </a:solidFill>
-              </a:rPr>
-              <a:t>document</a:t>
-            </a:r>
-            <a:r>
-              <a:rPr lang="en-US" dirty="0" err="1" smtClean="0"/>
-              <a:t>.body.children</a:t>
-            </a:r>
-            <a:r>
-              <a:rPr lang="en-US" dirty="0" smtClean="0"/>
-              <a:t>[0]; </a:t>
-            </a:r>
-          </a:p>
-          <a:p>
-            <a:pPr algn="just"/>
-            <a:r>
-              <a:rPr lang="en-US" dirty="0" err="1" smtClean="0">
-                <a:solidFill>
-                  <a:schemeClr val="accent1">
-                    <a:lumMod val="75000"/>
-                  </a:schemeClr>
-                </a:solidFill>
-              </a:rPr>
-              <a:t>var</a:t>
-            </a:r>
-            <a:r>
-              <a:rPr lang="en-US" dirty="0" smtClean="0"/>
-              <a:t> last = </a:t>
-            </a:r>
-            <a:r>
-              <a:rPr lang="en-US" dirty="0" err="1" smtClean="0">
-                <a:solidFill>
-                  <a:schemeClr val="accent1">
-                    <a:lumMod val="75000"/>
-                  </a:schemeClr>
-                </a:solidFill>
-              </a:rPr>
-              <a:t>document</a:t>
-            </a:r>
-            <a:r>
-              <a:rPr lang="en-US" dirty="0" err="1" smtClean="0"/>
-              <a:t>.body.children</a:t>
-            </a:r>
-            <a:r>
-              <a:rPr lang="en-US" dirty="0" smtClean="0"/>
-              <a:t>[1]; </a:t>
-            </a:r>
-            <a:r>
-              <a:rPr lang="en-US" dirty="0" smtClean="0">
-                <a:solidFill>
-                  <a:schemeClr val="bg1">
-                    <a:lumMod val="50000"/>
-                  </a:schemeClr>
-                </a:solidFill>
-              </a:rPr>
-              <a:t>// </a:t>
-            </a:r>
-            <a:r>
-              <a:rPr lang="uk-UA" dirty="0" err="1" smtClean="0">
-                <a:solidFill>
-                  <a:schemeClr val="bg1">
-                    <a:lumMod val="50000"/>
-                  </a:schemeClr>
-                </a:solidFill>
-              </a:rPr>
-              <a:t>нет</a:t>
-            </a:r>
-            <a:r>
-              <a:rPr lang="uk-UA" dirty="0" smtClean="0">
-                <a:solidFill>
-                  <a:schemeClr val="bg1">
-                    <a:lumMod val="50000"/>
-                  </a:schemeClr>
-                </a:solidFill>
-              </a:rPr>
-              <a:t> </a:t>
-            </a:r>
-            <a:r>
-              <a:rPr lang="uk-UA" dirty="0" err="1" smtClean="0">
-                <a:solidFill>
-                  <a:schemeClr val="bg1">
-                    <a:lumMod val="50000"/>
-                  </a:schemeClr>
-                </a:solidFill>
-              </a:rPr>
-              <a:t>необходимости</a:t>
-            </a:r>
-            <a:r>
-              <a:rPr lang="uk-UA" dirty="0" smtClean="0">
-                <a:solidFill>
-                  <a:schemeClr val="bg1">
-                    <a:lumMod val="50000"/>
-                  </a:schemeClr>
-                </a:solidFill>
-              </a:rPr>
-              <a:t> в </a:t>
-            </a:r>
-            <a:r>
-              <a:rPr lang="uk-UA" dirty="0" err="1" smtClean="0">
-                <a:solidFill>
-                  <a:schemeClr val="bg1">
-                    <a:lumMod val="50000"/>
-                  </a:schemeClr>
-                </a:solidFill>
-              </a:rPr>
-              <a:t>предварительном</a:t>
-            </a:r>
-            <a:r>
-              <a:rPr lang="uk-UA" dirty="0" smtClean="0">
-                <a:solidFill>
-                  <a:schemeClr val="bg1">
-                    <a:lumMod val="50000"/>
-                  </a:schemeClr>
-                </a:solidFill>
-              </a:rPr>
-              <a:t> </a:t>
-            </a:r>
-            <a:r>
-              <a:rPr lang="en-US" dirty="0" err="1" smtClean="0">
-                <a:solidFill>
-                  <a:schemeClr val="bg1">
-                    <a:lumMod val="50000"/>
-                  </a:schemeClr>
-                </a:solidFill>
-              </a:rPr>
-              <a:t>removeChild</a:t>
-            </a:r>
-            <a:r>
-              <a:rPr lang="en-US" dirty="0" smtClean="0">
-                <a:solidFill>
-                  <a:schemeClr val="bg1">
-                    <a:lumMod val="50000"/>
-                  </a:schemeClr>
-                </a:solidFill>
-              </a:rPr>
-              <a:t>(last) </a:t>
-            </a:r>
-          </a:p>
-          <a:p>
-            <a:pPr algn="just"/>
-            <a:r>
-              <a:rPr lang="en-US" dirty="0" err="1" smtClean="0"/>
-              <a:t>document.body.insertBefore</a:t>
-            </a:r>
-            <a:r>
-              <a:rPr lang="en-US" dirty="0" smtClean="0"/>
-              <a:t>(last, first); </a:t>
-            </a:r>
-            <a:r>
-              <a:rPr lang="en-US" dirty="0" smtClean="0">
-                <a:solidFill>
-                  <a:schemeClr val="bg1">
-                    <a:lumMod val="50000"/>
-                  </a:schemeClr>
-                </a:solidFill>
-              </a:rPr>
-              <a:t>// </a:t>
-            </a:r>
-            <a:r>
-              <a:rPr lang="uk-UA" dirty="0" err="1" smtClean="0">
-                <a:solidFill>
-                  <a:schemeClr val="bg1">
-                    <a:lumMod val="50000"/>
-                  </a:schemeClr>
-                </a:solidFill>
-              </a:rPr>
-              <a:t>поменять</a:t>
-            </a:r>
-            <a:r>
-              <a:rPr lang="uk-UA" dirty="0" smtClean="0">
-                <a:solidFill>
-                  <a:schemeClr val="bg1">
-                    <a:lumMod val="50000"/>
-                  </a:schemeClr>
-                </a:solidFill>
-              </a:rPr>
-              <a:t> </a:t>
-            </a:r>
-            <a:r>
-              <a:rPr lang="uk-UA" dirty="0" err="1" smtClean="0">
-                <a:solidFill>
-                  <a:schemeClr val="bg1">
-                    <a:lumMod val="50000"/>
-                  </a:schemeClr>
-                </a:solidFill>
-              </a:rPr>
-              <a:t>местами</a:t>
-            </a:r>
-            <a:r>
-              <a:rPr lang="uk-UA" dirty="0" smtClean="0">
-                <a:solidFill>
-                  <a:schemeClr val="bg1">
-                    <a:lumMod val="50000"/>
-                  </a:schemeClr>
-                </a:solidFill>
-              </a:rPr>
-              <a:t> </a:t>
-            </a:r>
-            <a:r>
-              <a:rPr lang="uk-UA" dirty="0" smtClean="0"/>
-              <a:t>&lt;/</a:t>
-            </a:r>
-            <a:r>
-              <a:rPr lang="en-US" dirty="0" smtClean="0"/>
-              <a:t>script&gt; </a:t>
-            </a:r>
-            <a:endParaRPr lang="ru-RU" dirty="0" smtClean="0"/>
+            <a:r>
+              <a:rPr lang="ru-RU" dirty="0" smtClean="0">
+                <a:latin typeface="Calibri" pitchFamily="34" charset="0"/>
+              </a:rPr>
+              <a:t>Если необходимо </a:t>
+            </a:r>
+            <a:r>
+              <a:rPr lang="ru-RU" i="1" dirty="0" smtClean="0">
+                <a:latin typeface="Calibri" pitchFamily="34" charset="0"/>
+              </a:rPr>
+              <a:t>переместить</a:t>
+            </a:r>
+            <a:r>
+              <a:rPr lang="ru-RU" dirty="0" smtClean="0">
+                <a:latin typeface="Calibri" pitchFamily="34" charset="0"/>
+              </a:rPr>
+              <a:t> элемент на новое место – не нужно его удалять со старого. Все методы вставки автоматически удаляют вставляемый элемент со старого места. </a:t>
+            </a:r>
+            <a:endParaRPr lang="en-US" dirty="0" smtClean="0">
+              <a:latin typeface="Calibri" pitchFamily="34" charset="0"/>
+            </a:endParaRPr>
+          </a:p>
+          <a:p>
+            <a:endParaRPr lang="uk-UA" dirty="0"/>
           </a:p>
         </p:txBody>
       </p:sp>
     </p:spTree>
     <p:extLst>
       <p:ext uri="{BB962C8B-B14F-4D97-AF65-F5344CB8AC3E}">
-        <p14:creationId xmlns="" xmlns:p14="http://schemas.microsoft.com/office/powerpoint/2010/main" val="9290874"/>
+        <p14:creationId xmlns:p14="http://schemas.microsoft.com/office/powerpoint/2010/main" xmlns="" val="9290874"/>
       </p:ext>
     </p:extLst>
   </p:cSld>
@@ -3323,10 +3211,14 @@
           <a:lstStyle/>
           <a:p>
             <a:r>
-              <a:rPr lang="ru-RU" b="1" dirty="0" smtClean="0"/>
+              <a:rPr lang="ru-RU" dirty="0" smtClean="0">
+                <a:latin typeface="Calibri" pitchFamily="34" charset="0"/>
+              </a:rPr>
               <a:t>Работа со стилями</a:t>
             </a:r>
-            <a:endParaRPr lang="en-US" b="1" dirty="0"/>
+            <a:endParaRPr lang="en-US" dirty="0">
+              <a:latin typeface="Calibri" pitchFamily="34" charset="0"/>
+            </a:endParaRPr>
           </a:p>
         </p:txBody>
       </p:sp>
@@ -3338,7 +3230,7 @@
         </p:nvSpPr>
         <p:spPr>
           <a:xfrm>
-            <a:off x="539552" y="1124744"/>
+            <a:off x="611560" y="1844824"/>
             <a:ext cx="2952328" cy="2308324"/>
           </a:xfrm>
           <a:prstGeom prst="rect">
@@ -3354,41 +3246,82 @@
           <a:p>
             <a:pPr algn="just"/>
             <a:r>
-              <a:rPr lang="ru-RU" dirty="0" smtClean="0"/>
+              <a:rPr lang="ru-RU" dirty="0" smtClean="0">
+                <a:latin typeface="Calibri" pitchFamily="34" charset="0"/>
+              </a:rPr>
               <a:t>Свойство </a:t>
             </a:r>
             <a:r>
-              <a:rPr lang="ru-RU" b="1" dirty="0" err="1" smtClean="0"/>
+              <a:rPr lang="ru-RU" b="1" dirty="0" err="1" smtClean="0">
+                <a:latin typeface="Calibri" pitchFamily="34" charset="0"/>
+              </a:rPr>
               <a:t>element.style</a:t>
             </a:r>
             <a:r>
-              <a:rPr lang="ru-RU" dirty="0" smtClean="0"/>
-              <a:t> возвращает объект, который дает доступ к стилю элемента на чтение и запись.</a:t>
-            </a:r>
-            <a:r>
-              <a:rPr lang="en-US" dirty="0" smtClean="0"/>
+              <a:rPr lang="ru-RU" dirty="0" smtClean="0">
+                <a:latin typeface="Calibri" pitchFamily="34" charset="0"/>
+              </a:rPr>
+              <a:t> </a:t>
+            </a:r>
+            <a:r>
+              <a:rPr lang="en-US" dirty="0" smtClean="0">
+                <a:latin typeface="Calibri" pitchFamily="34" charset="0"/>
+              </a:rPr>
+              <a:t/>
+            </a:r>
+            <a:br>
+              <a:rPr lang="en-US" dirty="0" smtClean="0">
+                <a:latin typeface="Calibri" pitchFamily="34" charset="0"/>
+              </a:rPr>
+            </a:br>
+            <a:r>
+              <a:rPr lang="ru-RU" dirty="0" smtClean="0">
+                <a:latin typeface="Calibri" pitchFamily="34" charset="0"/>
+              </a:rPr>
+              <a:t>возвращает </a:t>
+            </a:r>
+            <a:r>
+              <a:rPr lang="ru-RU" dirty="0" smtClean="0">
+                <a:latin typeface="Calibri" pitchFamily="34" charset="0"/>
+              </a:rPr>
+              <a:t>объект, который дает доступ к стилю элемента на чтение и запись.</a:t>
+            </a:r>
+            <a:r>
+              <a:rPr lang="en-US" dirty="0" smtClean="0">
+                <a:latin typeface="Calibri" pitchFamily="34" charset="0"/>
+              </a:rPr>
               <a:t>  </a:t>
             </a:r>
           </a:p>
           <a:p>
             <a:pPr algn="just"/>
             <a:r>
-              <a:rPr lang="ru-RU" dirty="0" smtClean="0"/>
+              <a:rPr lang="ru-RU" dirty="0" smtClean="0">
+                <a:latin typeface="Calibri" pitchFamily="34" charset="0"/>
+              </a:rPr>
               <a:t>Свойство</a:t>
             </a:r>
             <a:r>
-              <a:rPr lang="ru-RU" b="1" dirty="0" smtClean="0"/>
+              <a:rPr lang="ru-RU" b="1" dirty="0" smtClean="0">
+                <a:latin typeface="Calibri" pitchFamily="34" charset="0"/>
+              </a:rPr>
               <a:t> </a:t>
             </a:r>
             <a:r>
-              <a:rPr lang="ru-RU" b="1" dirty="0" err="1" smtClean="0"/>
+              <a:rPr lang="ru-RU" b="1" dirty="0" err="1" smtClean="0">
+                <a:latin typeface="Calibri" pitchFamily="34" charset="0"/>
+              </a:rPr>
               <a:t>style.cssText</a:t>
             </a:r>
             <a:r>
-              <a:rPr lang="ru-RU" dirty="0" smtClean="0"/>
+              <a:rPr lang="ru-RU" dirty="0" smtClean="0">
+                <a:latin typeface="Calibri" pitchFamily="34" charset="0"/>
+              </a:rPr>
               <a:t> позволяет поставить стиль целиком в виде строки.</a:t>
             </a:r>
-            <a:endParaRPr lang="en-US" dirty="0" smtClean="0"/>
+            <a:endParaRPr lang="en-US" dirty="0" smtClean="0">
+              <a:latin typeface="Calibri" pitchFamily="34" charset="0"/>
+            </a:endParaRPr>
           </a:p>
         </p:txBody>
       </p:sp>
@@ -3400,8 +3333,8 @@
         </p:nvSpPr>
         <p:spPr>
           <a:xfrm>
-            <a:off x="4067944" y="1268760"/>
-            <a:ext cx="4320480" cy="2031325"/>
+            <a:off x="3851920" y="1988840"/>
+            <a:ext cx="4896544" cy="2031325"/>
           </a:xfrm>
           <a:prstGeom prst="rect">
             <a:avLst/>
@@ -3428,19 +3361,28 @@
           <a:lstStyle/>
           <a:p>
             <a:r>
-              <a:rPr lang="en-US" dirty="0" smtClean="0"/>
+              <a:rPr lang="en-US" dirty="0" smtClean="0">
+                <a:latin typeface="Calibri" pitchFamily="34" charset="0"/>
+              </a:rPr>
               <a:t>&lt;body&gt; </a:t>
             </a:r>
-            <a:endParaRPr lang="ru-RU" dirty="0" smtClean="0"/>
-          </a:p>
-          <a:p>
-            <a:r>
-              <a:rPr lang="en-US" dirty="0" smtClean="0"/>
+            <a:endParaRPr lang="ru-RU" dirty="0" smtClean="0">
+              <a:latin typeface="Calibri" pitchFamily="34" charset="0"/>
+            </a:endParaRPr>
+          </a:p>
+          <a:p>
+            <a:r>
+              <a:rPr lang="en-US" dirty="0" smtClean="0">
+                <a:latin typeface="Calibri" pitchFamily="34" charset="0"/>
+              </a:rPr>
               <a:t>&lt;script&gt; </a:t>
             </a:r>
-            <a:endParaRPr lang="ru-RU" dirty="0" smtClean="0"/>
-          </a:p>
-          <a:p>
+            <a:endParaRPr lang="ru-RU" dirty="0" smtClean="0">
+              <a:latin typeface="Calibri" pitchFamily="34" charset="0"/>
+            </a:endParaRPr>
+          </a:p>
+          <a:p>
+            <a:pPr lvl="1"/>
             <a:r>
               <a:rPr lang="en-US" dirty="0" err="1" smtClean="0">
                 <a:solidFill>
@@ -3448,29 +3390,41 @@
                     <a:lumMod val="75000"/>
                   </a:schemeClr>
                 </a:solidFill>
+                <a:latin typeface="Calibri" pitchFamily="34" charset="0"/>
               </a:rPr>
               <a:t>document</a:t>
             </a:r>
             <a:r>
-              <a:rPr lang="en-US" dirty="0" err="1" smtClean="0"/>
+              <a:rPr lang="en-US" dirty="0" err="1" smtClean="0">
+                <a:latin typeface="Calibri" pitchFamily="34" charset="0"/>
+              </a:rPr>
               <a:t>.body.style.margin</a:t>
             </a:r>
             <a:r>
-              <a:rPr lang="en-US" dirty="0" smtClean="0"/>
+              <a:rPr lang="en-US" dirty="0" smtClean="0">
+                <a:latin typeface="Calibri" pitchFamily="34" charset="0"/>
+              </a:rPr>
               <a:t> = '</a:t>
             </a:r>
             <a:r>
-              <a:rPr lang="en-US" dirty="0" err="1" smtClean="0"/>
+              <a:rPr lang="en-US" dirty="0" err="1" smtClean="0">
+                <a:latin typeface="Calibri" pitchFamily="34" charset="0"/>
+              </a:rPr>
               <a:t>20px</a:t>
             </a:r>
             <a:r>
-              <a:rPr lang="en-US" dirty="0" smtClean="0"/>
+              <a:rPr lang="en-US" dirty="0" smtClean="0">
+                <a:latin typeface="Calibri" pitchFamily="34" charset="0"/>
+              </a:rPr>
               <a:t>'; </a:t>
             </a:r>
           </a:p>
           <a:p>
-            <a:r>
-              <a:rPr lang="en-US" dirty="0" smtClean="0"/>
+            <a:pPr lvl="1"/>
+            <a:r>
+              <a:rPr lang="en-US" dirty="0" smtClean="0">
+                <a:latin typeface="Calibri" pitchFamily="34" charset="0"/>
+              </a:rPr>
               <a:t>alert( </a:t>
             </a:r>
             <a:r>
@@ -3480,15 +3434,20 @@
                     <a:lumMod val="75000"/>
                   </a:schemeClr>
                 </a:solidFill>
+                <a:latin typeface="Calibri" pitchFamily="34" charset="0"/>
               </a:rPr>
               <a:t>document</a:t>
             </a:r>
             <a:r>
-              <a:rPr lang="en-US" dirty="0" err="1" smtClean="0"/>
+              <a:rPr lang="en-US" dirty="0" err="1" smtClean="0">
+                <a:latin typeface="Calibri" pitchFamily="34" charset="0"/>
+              </a:rPr>
               <a:t>.body.style.marginTop</a:t>
             </a:r>
             <a:r>
-              <a:rPr lang="en-US" dirty="0" smtClean="0"/>
+              <a:rPr lang="en-US" dirty="0" smtClean="0">
+                <a:latin typeface="Calibri" pitchFamily="34" charset="0"/>
+              </a:rPr>
               <a:t> ); </a:t>
             </a:r>
             <a:endParaRPr lang="en-US" dirty="0" smtClean="0">
@@ -3497,9 +3456,11 @@
                   <a:lumMod val="50000"/>
                 </a:schemeClr>
               </a:solidFill>
+              <a:latin typeface="Calibri" pitchFamily="34" charset="0"/>
             </a:endParaRPr>
           </a:p>
           <a:p>
+            <a:pPr lvl="1"/>
             <a:r>
               <a:rPr lang="en-US" dirty="0" err="1" smtClean="0">
                 <a:solidFill>
@@ -3507,6 +3468,7 @@
                     <a:lumMod val="75000"/>
                   </a:schemeClr>
                 </a:solidFill>
+                <a:latin typeface="Calibri" pitchFamily="34" charset="0"/>
               </a:rPr>
               <a:t>document</a:t>
             </a:r>
@@ -3515,6 +3477,7 @@
                 <a:solidFill>
                   <a:schemeClr val="tx1"/>
                 </a:solidFill>
+                <a:latin typeface="Calibri" pitchFamily="34" charset="0"/>
               </a:rPr>
               <a:t>.body.style.cssText</a:t>
             </a:r>
@@ -3523,6 +3486,7 @@
                 <a:solidFill>
                   <a:schemeClr val="tx1"/>
                 </a:solidFill>
+                <a:latin typeface="Calibri" pitchFamily="34" charset="0"/>
               </a:rPr>
               <a:t> = ‘</a:t>
             </a:r>
@@ -3533,6 +3497,7 @@
                     <a:lumMod val="75000"/>
                   </a:schemeClr>
                 </a:solidFill>
+                <a:latin typeface="Calibri" pitchFamily="34" charset="0"/>
               </a:rPr>
               <a:t>color: blue</a:t>
             </a:r>
@@ -3541,6 +3506,7 @@
                 <a:solidFill>
                   <a:schemeClr val="tx1"/>
                 </a:solidFill>
+                <a:latin typeface="Calibri" pitchFamily="34" charset="0"/>
               </a:rPr>
               <a:t>’;</a:t>
             </a:r>
@@ -3551,23 +3517,32 @@
                     <a:lumMod val="50000"/>
                   </a:schemeClr>
                 </a:solidFill>
+                <a:latin typeface="Calibri" pitchFamily="34" charset="0"/>
               </a:rPr>
               <a:t> </a:t>
             </a:r>
           </a:p>
           <a:p>
             <a:r>
-              <a:rPr lang="en-US" dirty="0" smtClean="0"/>
+              <a:rPr lang="en-US" dirty="0" smtClean="0">
+                <a:latin typeface="Calibri" pitchFamily="34" charset="0"/>
+              </a:rPr>
               <a:t>&lt;/script&gt; </a:t>
             </a:r>
-            <a:endParaRPr lang="ru-RU" dirty="0" smtClean="0"/>
-          </a:p>
-          <a:p>
-            <a:r>
-              <a:rPr lang="en-US" dirty="0" smtClean="0"/>
+            <a:endParaRPr lang="ru-RU" dirty="0" smtClean="0">
+              <a:latin typeface="Calibri" pitchFamily="34" charset="0"/>
+            </a:endParaRPr>
+          </a:p>
+          <a:p>
+            <a:r>
+              <a:rPr lang="en-US" dirty="0" smtClean="0">
+                <a:latin typeface="Calibri" pitchFamily="34" charset="0"/>
+              </a:rPr>
               <a:t>&lt;/body&gt;</a:t>
             </a:r>
-            <a:endParaRPr lang="en-US" dirty="0"/>
+            <a:endParaRPr lang="en-US" dirty="0">
+              <a:latin typeface="Calibri" pitchFamily="34" charset="0"/>
+            </a:endParaRPr>
           </a:p>
         </p:txBody>
       </p:sp>
@@ -3579,7 +3554,7 @@
         </p:nvSpPr>
         <p:spPr>
           <a:xfrm>
-            <a:off x="539552" y="3501008"/>
+            <a:off x="683568" y="4869160"/>
             <a:ext cx="7272808" cy="923330"/>
           </a:xfrm>
           <a:prstGeom prst="rect">
@@ -3594,231 +3569,80 @@
           <a:lstStyle/>
           <a:p>
             <a:r>
-              <a:rPr lang="ru-RU" dirty="0" smtClean="0"/>
+              <a:rPr lang="ru-RU" dirty="0" smtClean="0">
+                <a:latin typeface="Calibri" pitchFamily="34" charset="0"/>
+              </a:rPr>
               <a:t>Метод </a:t>
             </a:r>
             <a:r>
-              <a:rPr lang="en-US" dirty="0" smtClean="0"/>
+              <a:rPr lang="en-US" dirty="0" smtClean="0">
+                <a:latin typeface="Calibri" pitchFamily="34" charset="0"/>
+              </a:rPr>
               <a:t> </a:t>
             </a:r>
             <a:r>
-              <a:rPr lang="en-US" b="1" dirty="0" err="1" smtClean="0"/>
+              <a:rPr lang="en-US" b="1" dirty="0" err="1" smtClean="0">
+                <a:latin typeface="Calibri" pitchFamily="34" charset="0"/>
+              </a:rPr>
               <a:t>window</a:t>
             </a:r>
             <a:r>
-              <a:rPr lang="en-US" dirty="0" err="1" smtClean="0"/>
+              <a:rPr lang="en-US" dirty="0" err="1" smtClean="0">
+                <a:latin typeface="Calibri" pitchFamily="34" charset="0"/>
+              </a:rPr>
               <a:t>.</a:t>
             </a:r>
             <a:r>
-              <a:rPr lang="en-US" b="1" dirty="0" err="1" smtClean="0"/>
+              <a:rPr lang="en-US" b="1" dirty="0" err="1" smtClean="0">
+                <a:latin typeface="Calibri" pitchFamily="34" charset="0"/>
+              </a:rPr>
               <a:t>getComputedStyle</a:t>
             </a:r>
             <a:r>
-              <a:rPr lang="en-US" b="1" dirty="0" smtClean="0"/>
+              <a:rPr lang="en-US" b="1" dirty="0" smtClean="0">
+                <a:latin typeface="Calibri" pitchFamily="34" charset="0"/>
+              </a:rPr>
               <a:t>(element[, pseudo])</a:t>
             </a:r>
             <a:r>
-              <a:rPr lang="en-US" dirty="0" smtClean="0"/>
+              <a:rPr lang="en-US" dirty="0" smtClean="0">
+                <a:latin typeface="Calibri" pitchFamily="34" charset="0"/>
+              </a:rPr>
               <a:t> -  </a:t>
             </a:r>
             <a:r>
-              <a:rPr lang="ru-RU" dirty="0" smtClean="0"/>
+              <a:rPr lang="ru-RU" dirty="0" smtClean="0">
+                <a:latin typeface="Calibri" pitchFamily="34" charset="0"/>
+              </a:rPr>
               <a:t>позволяет получить текущее используемое значение свойства</a:t>
             </a:r>
             <a:r>
-              <a:rPr lang="en-US" dirty="0" smtClean="0"/>
+              <a:rPr lang="en-US" dirty="0" smtClean="0">
+                <a:latin typeface="Calibri" pitchFamily="34" charset="0"/>
+              </a:rPr>
               <a:t>; </a:t>
             </a:r>
             <a:r>
-              <a:rPr lang="ru-RU" dirty="0" smtClean="0"/>
+              <a:rPr lang="ru-RU" dirty="0" smtClean="0">
+                <a:latin typeface="Calibri" pitchFamily="34" charset="0"/>
+              </a:rPr>
               <a:t> </a:t>
             </a:r>
-            <a:endParaRPr lang="en-US" dirty="0" smtClean="0"/>
-          </a:p>
-          <a:p>
-            <a:endParaRPr lang="en-US" dirty="0"/>
-          </a:p>
-        </p:txBody>
-      </p:sp>
-      <p:sp>
-        <p:nvSpPr>
-          <p:cNvPr id="10" name="TextBox 9"/>
-          <p:cNvSpPr txBox="1"/>
-          <p:nvPr/>
-        </p:nvSpPr>
-        <p:spPr>
-          <a:xfrm>
-            <a:off x="611560" y="4365104"/>
-            <a:ext cx="7920880" cy="2031325"/>
-          </a:xfrm>
-          <a:prstGeom prst="rect">
-            <a:avLst/>
-          </a:prstGeom>
-        </p:spPr>
-        <p:style>
-          <a:lnRef idx="2">
-            <a:schemeClr val="accent5"/>
-          </a:lnRef>
-          <a:fillRef idx="1">
-            <a:schemeClr val="lt1"/>
-          </a:fillRef>
-          <a:effectRef idx="0">
-            <a:schemeClr val="accent5"/>
-          </a:effectRef>
-          <a:fontRef idx="minor">
-            <a:schemeClr val="dk1"/>
-          </a:fontRef>
-        </p:style>
-        <p:txBody>
-          <a:bodyPr wrap="square" rtlCol="0">
-            <a:spAutoFit/>
-          </a:bodyPr>
-          <a:lstStyle/>
-          <a:p>
-            <a:r>
-              <a:rPr lang="en-US" dirty="0" smtClean="0"/>
-              <a:t>&lt;body&gt; </a:t>
-            </a:r>
-          </a:p>
-          <a:p>
-            <a:r>
-              <a:rPr lang="en-US" dirty="0" smtClean="0"/>
-              <a:t>&lt;script&gt; </a:t>
-            </a:r>
-          </a:p>
-          <a:p>
-            <a:r>
-              <a:rPr lang="en-US" dirty="0" err="1" smtClean="0">
-                <a:solidFill>
-                  <a:schemeClr val="accent1">
-                    <a:lumMod val="75000"/>
-                  </a:schemeClr>
-                </a:solidFill>
-              </a:rPr>
-              <a:t>var</a:t>
-            </a:r>
-            <a:r>
-              <a:rPr lang="en-US" dirty="0" smtClean="0"/>
-              <a:t> </a:t>
-            </a:r>
-            <a:r>
-              <a:rPr lang="en-US" dirty="0" err="1" smtClean="0"/>
-              <a:t>computedStyle</a:t>
-            </a:r>
-            <a:r>
-              <a:rPr lang="en-US" dirty="0" smtClean="0"/>
-              <a:t> = </a:t>
-            </a:r>
-            <a:r>
-              <a:rPr lang="en-US" dirty="0" err="1" smtClean="0"/>
-              <a:t>getComputedStyle</a:t>
-            </a:r>
-            <a:r>
-              <a:rPr lang="en-US" dirty="0" smtClean="0"/>
-              <a:t>(</a:t>
-            </a:r>
-            <a:r>
-              <a:rPr lang="en-US" dirty="0" err="1" smtClean="0"/>
-              <a:t>document.body</a:t>
-            </a:r>
-            <a:r>
-              <a:rPr lang="en-US" dirty="0" smtClean="0"/>
-              <a:t>); </a:t>
-            </a:r>
-          </a:p>
-          <a:p>
-            <a:r>
-              <a:rPr lang="en-US" dirty="0" smtClean="0"/>
-              <a:t>alert( </a:t>
-            </a:r>
-            <a:r>
-              <a:rPr lang="en-US" dirty="0" err="1" smtClean="0"/>
-              <a:t>computedStyle.marginTop</a:t>
-            </a:r>
-            <a:r>
-              <a:rPr lang="en-US" dirty="0" smtClean="0"/>
-              <a:t> ); // </a:t>
-            </a:r>
-            <a:r>
-              <a:rPr lang="uk-UA" dirty="0" err="1" smtClean="0"/>
-              <a:t>выведет</a:t>
-            </a:r>
-            <a:r>
-              <a:rPr lang="uk-UA" dirty="0" smtClean="0"/>
-              <a:t> </a:t>
-            </a:r>
-            <a:r>
-              <a:rPr lang="uk-UA" dirty="0" err="1" smtClean="0"/>
-              <a:t>отступ</a:t>
-            </a:r>
-            <a:r>
-              <a:rPr lang="uk-UA" dirty="0" smtClean="0"/>
-              <a:t> в </a:t>
-            </a:r>
-            <a:r>
-              <a:rPr lang="uk-UA" dirty="0" err="1" smtClean="0"/>
-              <a:t>пикселях</a:t>
-            </a:r>
-            <a:r>
-              <a:rPr lang="uk-UA" dirty="0" smtClean="0"/>
-              <a:t> </a:t>
-            </a:r>
-            <a:endParaRPr lang="en-US" dirty="0" smtClean="0"/>
-          </a:p>
-          <a:p>
-            <a:r>
-              <a:rPr lang="en-US" dirty="0" smtClean="0"/>
-              <a:t>alert( </a:t>
-            </a:r>
-            <a:r>
-              <a:rPr lang="en-US" dirty="0" err="1" smtClean="0"/>
-              <a:t>computedStyle.color</a:t>
-            </a:r>
-            <a:r>
-              <a:rPr lang="en-US" dirty="0" smtClean="0"/>
-              <a:t> ); // </a:t>
-            </a:r>
-            <a:r>
-              <a:rPr lang="uk-UA" dirty="0" err="1" smtClean="0"/>
-              <a:t>выведет</a:t>
-            </a:r>
-            <a:r>
-              <a:rPr lang="uk-UA" dirty="0" smtClean="0"/>
-              <a:t> </a:t>
-            </a:r>
-            <a:r>
-              <a:rPr lang="uk-UA" dirty="0" err="1" smtClean="0"/>
-              <a:t>цвет</a:t>
-            </a:r>
-            <a:r>
-              <a:rPr lang="uk-UA" dirty="0" smtClean="0"/>
-              <a:t> </a:t>
-            </a:r>
-            <a:endParaRPr lang="en-US" dirty="0" smtClean="0"/>
-          </a:p>
-          <a:p>
-            <a:r>
-              <a:rPr lang="uk-UA" dirty="0" smtClean="0"/>
-              <a:t>&lt;/</a:t>
-            </a:r>
-            <a:r>
-              <a:rPr lang="en-US" dirty="0" smtClean="0"/>
-              <a:t>script&gt; </a:t>
-            </a:r>
-          </a:p>
-          <a:p>
-            <a:r>
-              <a:rPr lang="en-US" dirty="0" smtClean="0"/>
-              <a:t>&lt;/body&gt;</a:t>
-            </a:r>
-            <a:endParaRPr lang="en-US" dirty="0"/>
+            <a:endParaRPr lang="en-US" dirty="0" smtClean="0">
+              <a:latin typeface="Calibri" pitchFamily="34" charset="0"/>
+            </a:endParaRPr>
+          </a:p>
+          <a:p>
+            <a:endParaRPr lang="en-US" dirty="0">
+              <a:latin typeface="Calibri" pitchFamily="34" charset="0"/>
+            </a:endParaRPr>
           </a:p>
         </p:txBody>
       </p:sp>
     </p:spTree>
     <p:extLst>
       <p:ext uri="{BB962C8B-B14F-4D97-AF65-F5344CB8AC3E}">
-        <p14:creationId xmlns="" xmlns:p14="http://schemas.microsoft.com/office/powerpoint/2010/main" val="9290874"/>
+        <p14:creationId xmlns:p14="http://schemas.microsoft.com/office/powerpoint/2010/main" xmlns="" val="9290874"/>
       </p:ext>
     </p:extLst>
   </p:cSld>
@@ -3868,10 +3692,14 @@
           <a:lstStyle/>
           <a:p>
             <a:r>
-              <a:rPr lang="ru-RU" b="1" dirty="0" smtClean="0"/>
+              <a:rPr lang="ru-RU" dirty="0" smtClean="0">
+                <a:latin typeface="Calibri" pitchFamily="34" charset="0"/>
+              </a:rPr>
               <a:t>Размеры и прокрутка элементов</a:t>
             </a:r>
-            <a:endParaRPr lang="en-US" b="1" dirty="0"/>
+            <a:endParaRPr lang="en-US" dirty="0">
+              <a:latin typeface="Calibri" pitchFamily="34" charset="0"/>
+            </a:endParaRPr>
           </a:p>
         </p:txBody>
       </p:sp>
@@ -3904,7 +3732,7 @@
     </p:spTree>
     <p:extLst>
       <p:ext uri="{BB962C8B-B14F-4D97-AF65-F5344CB8AC3E}">
-        <p14:creationId xmlns="" xmlns:p14="http://schemas.microsoft.com/office/powerpoint/2010/main" val="9290874"/>
+        <p14:creationId xmlns:p14="http://schemas.microsoft.com/office/powerpoint/2010/main" xmlns="" val="9290874"/>
       </p:ext>
     </p:extLst>
   </p:cSld>

--- a/JS/007_lesson/Presentation/document_page_objects_2.pptx
+++ b/JS/007_lesson/Presentation/document_page_objects_2.pptx
@@ -108,6 +108,22 @@
       </a:defRPr>
     </a:lvl9pPr>
   </p:defaultTextStyle>
+  <p:extLst>
+    <p:ext uri="{EFAFB233-063F-42B5-8137-9DF3F51BA10A}">
+      <p15:sldGuideLst xmlns:p15="http://schemas.microsoft.com/office/powerpoint/2012/main">
+        <p15:guide id="1" orient="horz" pos="2160">
+          <p15:clr>
+            <a:srgbClr val="A4A3A4"/>
+          </p15:clr>
+        </p15:guide>
+        <p15:guide id="2" pos="2880">
+          <p15:clr>
+            <a:srgbClr val="A4A3A4"/>
+          </p15:clr>
+        </p15:guide>
+      </p15:sldGuideLst>
+    </p:ext>
+  </p:extLst>
 </p:presentation>
 </file>
 
@@ -166,10 +182,9 @@
           </a:lstStyle>
           <a:p>
             <a:r>
-              <a:rPr lang="en-US" dirty="0" smtClean="0"/>
+              <a:rPr lang="en-US" dirty="0"/>
               <a:t>title style</a:t>
             </a:r>
-            <a:endParaRPr lang="en-US" dirty="0"/>
           </a:p>
         </p:txBody>
       </p:sp>
@@ -289,7 +304,7 @@
           </a:lstStyle>
           <a:p>
             <a:r>
-              <a:rPr lang="ru-RU" smtClean="0"/>
+              <a:rPr lang="ru-RU"/>
               <a:t>Образец подзаголовка</a:t>
             </a:r>
             <a:endParaRPr lang="en-US" dirty="0"/>
@@ -618,20 +633,13 @@
     </p:spTree>
     <p:extLst>
       <p:ext uri="{BB962C8B-B14F-4D97-AF65-F5344CB8AC3E}">
-        <p14:creationId xmlns:p14="http://schemas.microsoft.com/office/powerpoint/2010/main" xmlns="" val="3537187278"/>
+        <p14:creationId xmlns:p14="http://schemas.microsoft.com/office/powerpoint/2010/main" val="3537187278"/>
       </p:ext>
     </p:extLst>
   </p:cSld>
   <p:clrMapOvr>
     <a:overrideClrMapping bg1="lt1" tx1="dk1" bg2="lt2" tx2="dk2" accent1="accent1" accent2="accent2" accent3="accent3" accent4="accent4" accent5="accent5" accent6="accent6" hlink="hlink" folHlink="folHlink"/>
   </p:clrMapOvr>
-  <p:timing>
-    <p:tnLst>
-      <p:par>
-        <p:cTn id="1" dur="indefinite" restart="never" nodeType="tmRoot"/>
-      </p:par>
-    </p:tnLst>
-  </p:timing>
 </p:sldLayout>
 </file>
 
@@ -664,7 +672,7 @@
           <a:blip r:embed="rId2" cstate="print">
             <a:extLst>
               <a:ext uri="{28A0092B-C50C-407E-A947-70E740481C1C}">
-                <a14:useLocalDpi xmlns:a14="http://schemas.microsoft.com/office/drawing/2010/main" xmlns="" val="0"/>
+                <a14:useLocalDpi xmlns:a14="http://schemas.microsoft.com/office/drawing/2010/main" val="0"/>
               </a:ext>
             </a:extLst>
           </a:blip>
@@ -688,14 +696,14 @@
           <a:effectLst/>
           <a:extLst>
             <a:ext uri="{909E8E84-426E-40DD-AFC4-6F175D3DCCD1}">
-              <a14:hiddenFill xmlns:a14="http://schemas.microsoft.com/office/drawing/2010/main" xmlns="">
+              <a14:hiddenFill xmlns:a14="http://schemas.microsoft.com/office/drawing/2010/main">
                 <a:solidFill>
                   <a:schemeClr val="accent1"/>
                 </a:solidFill>
               </a14:hiddenFill>
             </a:ext>
             <a:ext uri="{91240B29-F687-4F45-9708-019B960494DF}">
-              <a14:hiddenLine xmlns:a14="http://schemas.microsoft.com/office/drawing/2010/main" xmlns="" w="9525">
+              <a14:hiddenLine xmlns:a14="http://schemas.microsoft.com/office/drawing/2010/main" w="9525">
                 <a:solidFill>
                   <a:schemeClr val="tx1"/>
                 </a:solidFill>
@@ -705,7 +713,7 @@
               </a14:hiddenLine>
             </a:ext>
             <a:ext uri="{AF507438-7753-43E0-B8FC-AC1667EBCBE1}">
-              <a14:hiddenEffects xmlns:a14="http://schemas.microsoft.com/office/drawing/2010/main" xmlns="">
+              <a14:hiddenEffects xmlns:a14="http://schemas.microsoft.com/office/drawing/2010/main">
                 <a:effectLst>
                   <a:outerShdw dist="35921" dir="2700000" algn="ctr" rotWithShape="0">
                     <a:schemeClr val="bg2"/>
@@ -800,7 +808,7 @@
           </a:lstStyle>
           <a:p>
             <a:r>
-              <a:rPr lang="ru-RU" smtClean="0"/>
+              <a:rPr lang="ru-RU"/>
               <a:t>Образец заголовка</a:t>
             </a:r>
             <a:endParaRPr lang="en-US" dirty="0"/>
@@ -837,7 +845,7 @@
           <a:p>
             <a:pPr lvl="4"/>
             <a:r>
-              <a:rPr lang="en-US" dirty="0" smtClean="0"/>
+              <a:rPr lang="en-US" dirty="0"/>
               <a:t>Subtitle</a:t>
             </a:r>
           </a:p>
@@ -846,20 +854,13 @@
     </p:spTree>
     <p:extLst>
       <p:ext uri="{BB962C8B-B14F-4D97-AF65-F5344CB8AC3E}">
-        <p14:creationId xmlns:p14="http://schemas.microsoft.com/office/powerpoint/2010/main" xmlns="" val="2097366919"/>
+        <p14:creationId xmlns:p14="http://schemas.microsoft.com/office/powerpoint/2010/main" val="2097366919"/>
       </p:ext>
     </p:extLst>
   </p:cSld>
   <p:clrMapOvr>
     <a:masterClrMapping/>
   </p:clrMapOvr>
-  <p:timing>
-    <p:tnLst>
-      <p:par>
-        <p:cTn id="1" dur="indefinite" restart="never" nodeType="tmRoot"/>
-      </p:par>
-    </p:tnLst>
-  </p:timing>
 </p:sldLayout>
 </file>
 
@@ -918,10 +919,9 @@
           </a:lstStyle>
           <a:p>
             <a:r>
-              <a:rPr lang="en-US" dirty="0" smtClean="0"/>
+              <a:rPr lang="en-US" dirty="0"/>
               <a:t>title style</a:t>
             </a:r>
-            <a:endParaRPr lang="en-US" dirty="0"/>
           </a:p>
         </p:txBody>
       </p:sp>
@@ -1041,10 +1041,9 @@
           </a:lstStyle>
           <a:p>
             <a:r>
-              <a:rPr lang="en-US" dirty="0" smtClean="0"/>
+              <a:rPr lang="en-US" dirty="0"/>
               <a:t>Click to edit Master subtitle style</a:t>
             </a:r>
-            <a:endParaRPr lang="en-US" dirty="0"/>
           </a:p>
         </p:txBody>
       </p:sp>
@@ -1370,20 +1369,13 @@
     </p:spTree>
     <p:extLst>
       <p:ext uri="{BB962C8B-B14F-4D97-AF65-F5344CB8AC3E}">
-        <p14:creationId xmlns:p14="http://schemas.microsoft.com/office/powerpoint/2010/main" xmlns="" val="3537187278"/>
+        <p14:creationId xmlns:p14="http://schemas.microsoft.com/office/powerpoint/2010/main" val="3537187278"/>
       </p:ext>
     </p:extLst>
   </p:cSld>
   <p:clrMapOvr>
     <a:overrideClrMapping bg1="lt1" tx1="dk1" bg2="lt2" tx2="dk2" accent1="accent1" accent2="accent2" accent3="accent3" accent4="accent4" accent5="accent5" accent6="accent6" hlink="hlink" folHlink="folHlink"/>
   </p:clrMapOvr>
-  <p:timing>
-    <p:tnLst>
-      <p:par>
-        <p:cTn id="1" dur="indefinite" restart="never" nodeType="tmRoot"/>
-      </p:par>
-    </p:tnLst>
-  </p:timing>
 </p:sldLayout>
 </file>
 
@@ -1416,7 +1408,7 @@
           <a:blip r:embed="rId2" cstate="print">
             <a:extLst>
               <a:ext uri="{28A0092B-C50C-407E-A947-70E740481C1C}">
-                <a14:useLocalDpi xmlns:a14="http://schemas.microsoft.com/office/drawing/2010/main" xmlns="" val="0"/>
+                <a14:useLocalDpi xmlns:a14="http://schemas.microsoft.com/office/drawing/2010/main" val="0"/>
               </a:ext>
             </a:extLst>
           </a:blip>
@@ -1440,14 +1432,14 @@
           <a:effectLst/>
           <a:extLst>
             <a:ext uri="{909E8E84-426E-40DD-AFC4-6F175D3DCCD1}">
-              <a14:hiddenFill xmlns:a14="http://schemas.microsoft.com/office/drawing/2010/main" xmlns="">
+              <a14:hiddenFill xmlns:a14="http://schemas.microsoft.com/office/drawing/2010/main">
                 <a:solidFill>
                   <a:schemeClr val="accent1"/>
                 </a:solidFill>
               </a14:hiddenFill>
             </a:ext>
             <a:ext uri="{91240B29-F687-4F45-9708-019B960494DF}">
-              <a14:hiddenLine xmlns:a14="http://schemas.microsoft.com/office/drawing/2010/main" xmlns="" w="9525">
+              <a14:hiddenLine xmlns:a14="http://schemas.microsoft.com/office/drawing/2010/main" w="9525">
                 <a:solidFill>
                   <a:schemeClr val="tx1"/>
                 </a:solidFill>
@@ -1457,7 +1449,7 @@
               </a14:hiddenLine>
             </a:ext>
             <a:ext uri="{AF507438-7753-43E0-B8FC-AC1667EBCBE1}">
-              <a14:hiddenEffects xmlns:a14="http://schemas.microsoft.com/office/drawing/2010/main" xmlns="">
+              <a14:hiddenEffects xmlns:a14="http://schemas.microsoft.com/office/drawing/2010/main">
                 <a:effectLst>
                   <a:outerShdw dist="35921" dir="2700000" algn="ctr" rotWithShape="0">
                     <a:schemeClr val="bg2"/>
@@ -1552,10 +1544,9 @@
           </a:lstStyle>
           <a:p>
             <a:r>
-              <a:rPr lang="en-US" dirty="0" smtClean="0"/>
+              <a:rPr lang="en-US" dirty="0"/>
               <a:t>Click to edit Master title style</a:t>
             </a:r>
-            <a:endParaRPr lang="en-US" dirty="0"/>
           </a:p>
         </p:txBody>
       </p:sp>
@@ -1589,7 +1580,7 @@
           <a:p>
             <a:pPr lvl="4"/>
             <a:r>
-              <a:rPr lang="en-US" dirty="0" smtClean="0"/>
+              <a:rPr lang="en-US" dirty="0"/>
               <a:t>Subtitle</a:t>
             </a:r>
           </a:p>
@@ -1598,20 +1589,13 @@
     </p:spTree>
     <p:extLst>
       <p:ext uri="{BB962C8B-B14F-4D97-AF65-F5344CB8AC3E}">
-        <p14:creationId xmlns:p14="http://schemas.microsoft.com/office/powerpoint/2010/main" xmlns="" val="2097366919"/>
+        <p14:creationId xmlns:p14="http://schemas.microsoft.com/office/powerpoint/2010/main" val="2097366919"/>
       </p:ext>
     </p:extLst>
   </p:cSld>
   <p:clrMapOvr>
     <a:masterClrMapping/>
   </p:clrMapOvr>
-  <p:timing>
-    <p:tnLst>
-      <p:par>
-        <p:cTn id="1" dur="indefinite" restart="never" nodeType="tmRoot"/>
-      </p:par>
-    </p:tnLst>
-  </p:timing>
 </p:sldLayout>
 </file>
 
@@ -1663,7 +1647,7 @@
           <a:lstStyle/>
           <a:p>
             <a:r>
-              <a:rPr lang="ru-RU" smtClean="0"/>
+              <a:rPr lang="ru-RU"/>
               <a:t>Образец заголовка</a:t>
             </a:r>
             <a:endParaRPr lang="en-US"/>
@@ -1673,7 +1657,7 @@
     </p:spTree>
     <p:extLst>
       <p:ext uri="{BB962C8B-B14F-4D97-AF65-F5344CB8AC3E}">
-        <p14:creationId xmlns:p14="http://schemas.microsoft.com/office/powerpoint/2010/main" xmlns="" val="779007194"/>
+        <p14:creationId xmlns:p14="http://schemas.microsoft.com/office/powerpoint/2010/main" val="779007194"/>
       </p:ext>
     </p:extLst>
   </p:cSld>
@@ -1684,13 +1668,6 @@
     <p:sldLayoutId id="2147483665" r:id="rId3"/>
     <p:sldLayoutId id="2147483666" r:id="rId4"/>
   </p:sldLayoutIdLst>
-  <p:timing>
-    <p:tnLst>
-      <p:par>
-        <p:cTn id="1" dur="indefinite" restart="never" nodeType="tmRoot"/>
-      </p:par>
-    </p:tnLst>
-  </p:timing>
   <p:txStyles>
     <p:titleStyle>
       <a:lvl1pPr algn="ctr" defTabSz="914400" rtl="0" eaLnBrk="1" latinLnBrk="0" hangingPunct="1">
@@ -2034,7 +2011,7 @@
           <a:lstStyle/>
           <a:p>
             <a:r>
-              <a:rPr lang="en-US" sz="2700" dirty="0" smtClean="0">
+              <a:rPr lang="en-US" sz="2700" dirty="0">
                 <a:solidFill>
                   <a:schemeClr val="bg1"/>
                 </a:solidFill>
@@ -2233,7 +2210,7 @@
           </a:lstStyle>
           <a:p>
             <a:r>
-              <a:rPr lang="en-US" sz="2700" dirty="0" smtClean="0">
+              <a:rPr lang="en-US" sz="2700" dirty="0">
                 <a:solidFill>
                   <a:schemeClr val="tx1">
                     <a:lumMod val="90000"/>
@@ -2246,17 +2223,6 @@
               </a:rPr>
               <a:t>The JavaScript Programming Language</a:t>
             </a:r>
-            <a:endParaRPr lang="en-US" sz="2700" dirty="0">
-              <a:solidFill>
-                <a:schemeClr val="tx1">
-                  <a:lumMod val="90000"/>
-                  <a:lumOff val="10000"/>
-                </a:schemeClr>
-              </a:solidFill>
-              <a:latin typeface="Calibri" pitchFamily="34" charset="0"/>
-              <a:ea typeface="Roboto Light" panose="02000000000000000000" pitchFamily="2" charset="0"/>
-              <a:cs typeface="Roboto Light" panose="02000000000000000000" pitchFamily="2" charset="0"/>
-            </a:endParaRPr>
           </a:p>
         </p:txBody>
       </p:sp>
@@ -2272,7 +2238,7 @@
           <a:blip r:embed="rId2" cstate="print">
             <a:extLst>
               <a:ext uri="{28A0092B-C50C-407E-A947-70E740481C1C}">
-                <a14:useLocalDpi xmlns="" xmlns:a14="http://schemas.microsoft.com/office/drawing/2010/main" val="0"/>
+                <a14:useLocalDpi xmlns:a14="http://schemas.microsoft.com/office/drawing/2010/main" val="0"/>
               </a:ext>
             </a:extLst>
           </a:blip>
@@ -2292,7 +2258,7 @@
           <a:noFill/>
           <a:extLst>
             <a:ext uri="{909E8E84-426E-40DD-AFC4-6F175D3DCCD1}">
-              <a14:hiddenFill xmlns="" xmlns:a14="http://schemas.microsoft.com/office/drawing/2010/main">
+              <a14:hiddenFill xmlns:a14="http://schemas.microsoft.com/office/drawing/2010/main">
                 <a:solidFill>
                   <a:srgbClr val="FFFFFF"/>
                 </a:solidFill>
@@ -2324,7 +2290,7 @@
           <a:lstStyle/>
           <a:p>
             <a:r>
-              <a:rPr lang="ru-RU" sz="4000" dirty="0" smtClean="0">
+              <a:rPr lang="ru-RU" sz="4000" dirty="0">
                 <a:solidFill>
                   <a:srgbClr val="7564BC"/>
                 </a:solidFill>
@@ -2343,20 +2309,13 @@
     </p:spTree>
     <p:extLst>
       <p:ext uri="{BB962C8B-B14F-4D97-AF65-F5344CB8AC3E}">
-        <p14:creationId xmlns="" xmlns:p14="http://schemas.microsoft.com/office/powerpoint/2010/main" val="3436223543"/>
+        <p14:creationId xmlns:p14="http://schemas.microsoft.com/office/powerpoint/2010/main" val="3436223543"/>
       </p:ext>
     </p:extLst>
   </p:cSld>
   <p:clrMapOvr>
     <a:masterClrMapping/>
   </p:clrMapOvr>
-  <p:timing>
-    <p:tnLst>
-      <p:par>
-        <p:cTn id="1" dur="indefinite" restart="never" nodeType="tmRoot"/>
-      </p:par>
-    </p:tnLst>
-  </p:timing>
 </p:sld>
 </file>
 
@@ -2398,31 +2357,25 @@
           <a:lstStyle/>
           <a:p>
             <a:r>
-              <a:rPr lang="uk-UA" dirty="0" err="1" smtClean="0">
+              <a:rPr lang="uk-UA" dirty="0" err="1">
                 <a:latin typeface="Calibri" pitchFamily="34" charset="0"/>
               </a:rPr>
               <a:t>Создание</a:t>
             </a:r>
             <a:r>
-              <a:rPr lang="uk-UA" b="1" dirty="0" smtClean="0">
+              <a:rPr lang="uk-UA" b="1" dirty="0">
                 <a:latin typeface="Calibri" pitchFamily="34" charset="0"/>
               </a:rPr>
               <a:t> </a:t>
             </a:r>
             <a:r>
-              <a:rPr lang="uk-UA" dirty="0" err="1" smtClean="0">
+              <a:rPr lang="uk-UA" dirty="0" err="1">
                 <a:latin typeface="Calibri" pitchFamily="34" charset="0"/>
               </a:rPr>
               <a:t>элемента</a:t>
             </a:r>
-            <a:r>
-              <a:rPr lang="uk-UA" dirty="0" smtClean="0">
-                <a:latin typeface="Calibri" pitchFamily="34" charset="0"/>
-              </a:rPr>
-              <a:t/>
-            </a:r>
             <a:br>
-              <a:rPr lang="uk-UA" dirty="0" smtClean="0">
+              <a:rPr lang="uk-UA" dirty="0">
                 <a:latin typeface="Calibri" pitchFamily="34" charset="0"/>
               </a:rPr>
             </a:br>
@@ -2441,7 +2394,7 @@
         <p:spPr>
           <a:xfrm>
             <a:off x="611560" y="1196752"/>
-            <a:ext cx="8064896" cy="4924425"/>
+            <a:ext cx="8064896" cy="5201424"/>
           </a:xfrm>
           <a:prstGeom prst="rect">
             <a:avLst/>
@@ -2456,41 +2409,41 @@
           <a:p>
             <a:pPr algn="ctr"/>
             <a:r>
-              <a:rPr lang="ru-RU" sz="2000" b="1" dirty="0" smtClean="0">
+              <a:rPr lang="ru-RU" sz="2000" b="1" dirty="0">
                 <a:latin typeface="Calibri" pitchFamily="34" charset="0"/>
               </a:rPr>
               <a:t>Создание элемента</a:t>
             </a:r>
-            <a:endParaRPr lang="en-US" sz="2000" b="1" dirty="0" smtClean="0">
+            <a:endParaRPr lang="en-US" sz="2000" b="1" dirty="0">
               <a:latin typeface="Calibri" pitchFamily="34" charset="0"/>
             </a:endParaRPr>
           </a:p>
           <a:p>
-            <a:endParaRPr lang="en-US" b="1" dirty="0" smtClean="0">
+            <a:endParaRPr lang="en-US" b="1" dirty="0">
               <a:latin typeface="Calibri" pitchFamily="34" charset="0"/>
             </a:endParaRPr>
           </a:p>
           <a:p>
             <a:r>
-              <a:rPr lang="en-US" b="1" dirty="0" err="1" smtClean="0">
+              <a:rPr lang="en-US" b="1" dirty="0" err="1">
                 <a:latin typeface="Calibri" pitchFamily="34" charset="0"/>
               </a:rPr>
               <a:t>document.createElement</a:t>
             </a:r>
             <a:r>
-              <a:rPr lang="en-US" b="1" dirty="0" smtClean="0">
+              <a:rPr lang="en-US" b="1" dirty="0">
                 <a:latin typeface="Calibri" pitchFamily="34" charset="0"/>
               </a:rPr>
               <a:t>(tag) </a:t>
             </a:r>
             <a:r>
-              <a:rPr lang="en-US" dirty="0" smtClean="0">
+              <a:rPr lang="en-US" dirty="0">
                 <a:latin typeface="Calibri" pitchFamily="34" charset="0"/>
               </a:rPr>
               <a:t>- </a:t>
             </a:r>
             <a:r>
-              <a:rPr lang="ru-RU" dirty="0" smtClean="0">
+              <a:rPr lang="ru-RU" dirty="0">
                 <a:latin typeface="Calibri" pitchFamily="34" charset="0"/>
               </a:rPr>
               <a:t>создает новый элемент с указанным тегом. </a:t>
@@ -2498,49 +2451,37 @@
           </a:p>
           <a:p>
             <a:r>
-              <a:rPr lang="en-US" b="1" dirty="0" err="1" smtClean="0">
+              <a:rPr lang="en-US" b="1" dirty="0" err="1">
                 <a:latin typeface="Calibri" pitchFamily="34" charset="0"/>
               </a:rPr>
               <a:t>document.createTextNode</a:t>
             </a:r>
             <a:r>
-              <a:rPr lang="en-US" b="1" dirty="0" smtClean="0">
+              <a:rPr lang="en-US" b="1" dirty="0">
                 <a:latin typeface="Calibri" pitchFamily="34" charset="0"/>
               </a:rPr>
               <a:t>(text</a:t>
             </a:r>
             <a:r>
-              <a:rPr lang="en-US" dirty="0" smtClean="0">
+              <a:rPr lang="en-US" dirty="0">
                 <a:latin typeface="Calibri" pitchFamily="34" charset="0"/>
               </a:rPr>
               <a:t>)</a:t>
             </a:r>
             <a:r>
-              <a:rPr lang="ru-RU" dirty="0" smtClean="0">
-                <a:latin typeface="Calibri" pitchFamily="34" charset="0"/>
-              </a:rPr>
-              <a:t> - создает новый </a:t>
-            </a:r>
-            <a:r>
-              <a:rPr lang="ru-RU" dirty="0" smtClean="0">
-                <a:latin typeface="Calibri" pitchFamily="34" charset="0"/>
-              </a:rPr>
-              <a:t>текстовый </a:t>
-            </a:r>
-            <a:r>
-              <a:rPr lang="ru-RU" dirty="0" smtClean="0">
-                <a:latin typeface="Calibri" pitchFamily="34" charset="0"/>
-              </a:rPr>
-              <a:t>узел с текстом </a:t>
-            </a:r>
-            <a:r>
-              <a:rPr lang="en-US" dirty="0" smtClean="0">
+              <a:rPr lang="ru-RU" dirty="0">
+                <a:latin typeface="Calibri" pitchFamily="34" charset="0"/>
+              </a:rPr>
+              <a:t> - создает новый текстовый узел с текстом </a:t>
+            </a:r>
+            <a:r>
+              <a:rPr lang="en-US" dirty="0">
                 <a:latin typeface="Calibri" pitchFamily="34" charset="0"/>
               </a:rPr>
               <a:t>text.</a:t>
             </a:r>
             <a:r>
-              <a:rPr lang="ru-RU" dirty="0" smtClean="0">
+              <a:rPr lang="ru-RU" dirty="0">
                 <a:latin typeface="Calibri" pitchFamily="34" charset="0"/>
               </a:rPr>
               <a:t> </a:t>
@@ -2548,312 +2489,316 @@
           </a:p>
           <a:p>
             <a:pPr algn="ctr"/>
-            <a:endParaRPr lang="en-US" sz="2000" b="1" dirty="0" smtClean="0">
+            <a:endParaRPr lang="en-US" sz="2000" b="1" dirty="0">
               <a:latin typeface="Calibri" pitchFamily="34" charset="0"/>
             </a:endParaRPr>
           </a:p>
           <a:p>
             <a:pPr algn="ctr"/>
-            <a:endParaRPr lang="en-US" sz="2000" b="1" dirty="0" smtClean="0">
+            <a:endParaRPr lang="en-US" sz="2000" b="1" dirty="0">
               <a:latin typeface="Calibri" pitchFamily="34" charset="0"/>
             </a:endParaRPr>
           </a:p>
           <a:p>
             <a:pPr algn="ctr"/>
             <a:r>
-              <a:rPr lang="ru-RU" sz="2000" b="1" dirty="0" smtClean="0">
+              <a:rPr lang="ru-RU" sz="2000" b="1" dirty="0">
                 <a:latin typeface="Calibri" pitchFamily="34" charset="0"/>
               </a:rPr>
               <a:t>Вставка элемента на страницу</a:t>
             </a:r>
-            <a:endParaRPr lang="en-US" sz="2000" b="1" dirty="0" smtClean="0">
+            <a:endParaRPr lang="en-US" sz="2000" b="1" dirty="0">
               <a:latin typeface="Calibri" pitchFamily="34" charset="0"/>
             </a:endParaRPr>
           </a:p>
           <a:p>
-            <a:endParaRPr lang="en-US" dirty="0" smtClean="0">
-              <a:latin typeface="Calibri" pitchFamily="34" charset="0"/>
-            </a:endParaRPr>
-          </a:p>
-          <a:p>
-            <a:r>
-              <a:rPr lang="en-US" b="1" dirty="0" err="1" smtClean="0">
-                <a:latin typeface="Calibri" pitchFamily="34" charset="0"/>
-              </a:rPr>
-              <a:t>parentElem.appendChild</a:t>
-            </a:r>
-            <a:r>
-              <a:rPr lang="en-US" b="1" dirty="0" smtClean="0">
-                <a:latin typeface="Calibri" pitchFamily="34" charset="0"/>
-              </a:rPr>
-              <a:t>(</a:t>
-            </a:r>
-            <a:r>
-              <a:rPr lang="en-US" b="1" dirty="0" err="1" smtClean="0">
-                <a:latin typeface="Calibri" pitchFamily="34" charset="0"/>
-              </a:rPr>
-              <a:t>elem</a:t>
-            </a:r>
-            <a:r>
-              <a:rPr lang="en-US" dirty="0" smtClean="0">
-                <a:latin typeface="Calibri" pitchFamily="34" charset="0"/>
-              </a:rPr>
-              <a:t>) - </a:t>
-            </a:r>
-            <a:r>
-              <a:rPr lang="ru-RU" dirty="0" smtClean="0">
-                <a:latin typeface="Calibri" pitchFamily="34" charset="0"/>
-              </a:rPr>
-              <a:t>добавляет </a:t>
-            </a:r>
-            <a:r>
-              <a:rPr lang="ru-RU" dirty="0" err="1" smtClean="0">
-                <a:latin typeface="Calibri" pitchFamily="34" charset="0"/>
-              </a:rPr>
-              <a:t>elem</a:t>
-            </a:r>
-            <a:r>
-              <a:rPr lang="ru-RU" dirty="0" smtClean="0">
-                <a:latin typeface="Calibri" pitchFamily="34" charset="0"/>
-              </a:rPr>
-              <a:t> в конец дочерних</a:t>
-            </a:r>
-            <a:r>
-              <a:rPr lang="en-US" dirty="0" smtClean="0">
-                <a:latin typeface="Calibri" pitchFamily="34" charset="0"/>
-              </a:rPr>
-              <a:t> </a:t>
-            </a:r>
-            <a:r>
-              <a:rPr lang="ru-RU" dirty="0" smtClean="0">
-                <a:latin typeface="Calibri" pitchFamily="34" charset="0"/>
-              </a:rPr>
-              <a:t>элементов </a:t>
-            </a:r>
-            <a:r>
-              <a:rPr lang="ru-RU" dirty="0" err="1" smtClean="0">
-                <a:latin typeface="Calibri" pitchFamily="34" charset="0"/>
-              </a:rPr>
-              <a:t>parentElem</a:t>
-            </a:r>
-            <a:r>
-              <a:rPr lang="ru-RU" dirty="0" smtClean="0">
-                <a:latin typeface="Calibri" pitchFamily="34" charset="0"/>
-              </a:rPr>
-              <a:t>.</a:t>
-            </a:r>
-            <a:r>
-              <a:rPr lang="en-US" dirty="0" smtClean="0">
-                <a:latin typeface="Calibri" pitchFamily="34" charset="0"/>
-              </a:rPr>
-              <a:t> </a:t>
-            </a:r>
-            <a:endParaRPr lang="ru-RU" dirty="0" smtClean="0">
-              <a:latin typeface="Calibri" pitchFamily="34" charset="0"/>
-            </a:endParaRPr>
-          </a:p>
-          <a:p>
-            <a:r>
-              <a:rPr lang="en-US" b="1" dirty="0" err="1" smtClean="0">
-                <a:latin typeface="Calibri" pitchFamily="34" charset="0"/>
-              </a:rPr>
-              <a:t>parentElem.insertBefore</a:t>
-            </a:r>
-            <a:r>
-              <a:rPr lang="en-US" b="1" dirty="0" smtClean="0">
-                <a:latin typeface="Calibri" pitchFamily="34" charset="0"/>
-              </a:rPr>
-              <a:t>(</a:t>
-            </a:r>
-            <a:r>
-              <a:rPr lang="en-US" b="1" dirty="0" err="1" smtClean="0">
-                <a:latin typeface="Calibri" pitchFamily="34" charset="0"/>
-              </a:rPr>
-              <a:t>elem</a:t>
-            </a:r>
-            <a:r>
-              <a:rPr lang="en-US" b="1" dirty="0" smtClean="0">
-                <a:latin typeface="Calibri" pitchFamily="34" charset="0"/>
-              </a:rPr>
-              <a:t>, </a:t>
-            </a:r>
-            <a:r>
-              <a:rPr lang="en-US" b="1" dirty="0" err="1" smtClean="0">
-                <a:latin typeface="Calibri" pitchFamily="34" charset="0"/>
-              </a:rPr>
-              <a:t>nextSibling</a:t>
-            </a:r>
-            <a:r>
-              <a:rPr lang="en-US" b="1" dirty="0" smtClean="0">
-                <a:latin typeface="Calibri" pitchFamily="34" charset="0"/>
-              </a:rPr>
-              <a:t>)</a:t>
-            </a:r>
-            <a:r>
-              <a:rPr lang="ru-RU" b="1" dirty="0" smtClean="0">
-                <a:latin typeface="Calibri" pitchFamily="34" charset="0"/>
-              </a:rPr>
-              <a:t> </a:t>
-            </a:r>
-            <a:r>
-              <a:rPr lang="ru-RU" dirty="0" smtClean="0">
-                <a:latin typeface="Calibri" pitchFamily="34" charset="0"/>
-              </a:rPr>
-              <a:t>- вставляет </a:t>
-            </a:r>
-            <a:r>
-              <a:rPr lang="ru-RU" dirty="0" err="1" smtClean="0">
-                <a:latin typeface="Calibri" pitchFamily="34" charset="0"/>
-              </a:rPr>
-              <a:t>elem</a:t>
-            </a:r>
-            <a:r>
-              <a:rPr lang="ru-RU" dirty="0" smtClean="0">
-                <a:latin typeface="Calibri" pitchFamily="34" charset="0"/>
-              </a:rPr>
-              <a:t> в коллекцию детей </a:t>
-            </a:r>
-            <a:r>
-              <a:rPr lang="ru-RU" dirty="0" err="1" smtClean="0">
-                <a:latin typeface="Calibri" pitchFamily="34" charset="0"/>
-              </a:rPr>
-              <a:t>parentElem</a:t>
-            </a:r>
-            <a:r>
-              <a:rPr lang="ru-RU" dirty="0" smtClean="0">
-                <a:latin typeface="Calibri" pitchFamily="34" charset="0"/>
-              </a:rPr>
-              <a:t>, перед элементом </a:t>
-            </a:r>
-            <a:r>
-              <a:rPr lang="ru-RU" dirty="0" err="1" smtClean="0">
-                <a:latin typeface="Calibri" pitchFamily="34" charset="0"/>
-              </a:rPr>
-              <a:t>nextSibling</a:t>
-            </a:r>
-            <a:r>
-              <a:rPr lang="ru-RU" dirty="0" smtClean="0">
-                <a:latin typeface="Calibri" pitchFamily="34" charset="0"/>
-              </a:rPr>
-              <a:t>. </a:t>
-            </a:r>
-          </a:p>
-          <a:p>
-            <a:endParaRPr lang="en-US" dirty="0" smtClean="0">
-              <a:latin typeface="Calibri" pitchFamily="34" charset="0"/>
-            </a:endParaRPr>
-          </a:p>
-          <a:p>
-            <a:endParaRPr lang="ru-RU" dirty="0" smtClean="0">
-              <a:latin typeface="Calibri" pitchFamily="34" charset="0"/>
-            </a:endParaRPr>
-          </a:p>
-          <a:p>
-            <a:r>
-              <a:rPr lang="ru-RU" dirty="0" smtClean="0">
-                <a:latin typeface="Calibri" pitchFamily="34" charset="0"/>
-              </a:rPr>
-              <a:t>Все методы вставки элементов на страницу возвращают вставленный узел. </a:t>
-            </a:r>
-          </a:p>
-          <a:p>
-            <a:r>
-              <a:rPr lang="uk-UA" dirty="0" err="1" smtClean="0">
-                <a:latin typeface="Calibri" pitchFamily="34" charset="0"/>
-              </a:rPr>
-              <a:t>Например</a:t>
-            </a:r>
-            <a:r>
-              <a:rPr lang="uk-UA" dirty="0" smtClean="0">
-                <a:latin typeface="Calibri" pitchFamily="34" charset="0"/>
-              </a:rPr>
-              <a:t>, </a:t>
-            </a:r>
-            <a:r>
-              <a:rPr lang="en-US" b="1" dirty="0" err="1" smtClean="0">
-                <a:latin typeface="Calibri" pitchFamily="34" charset="0"/>
-              </a:rPr>
-              <a:t>parentElem.appendChild</a:t>
-            </a:r>
-            <a:r>
-              <a:rPr lang="en-US" b="1" dirty="0" smtClean="0">
-                <a:latin typeface="Calibri" pitchFamily="34" charset="0"/>
-              </a:rPr>
-              <a:t>(</a:t>
-            </a:r>
-            <a:r>
-              <a:rPr lang="en-US" b="1" dirty="0" err="1" smtClean="0">
-                <a:latin typeface="Calibri" pitchFamily="34" charset="0"/>
-              </a:rPr>
-              <a:t>elem</a:t>
-            </a:r>
-            <a:r>
-              <a:rPr lang="en-US" b="1" dirty="0" smtClean="0">
-                <a:latin typeface="Calibri" pitchFamily="34" charset="0"/>
-              </a:rPr>
-              <a:t>)</a:t>
-            </a:r>
-            <a:r>
-              <a:rPr lang="en-US" dirty="0" smtClean="0">
-                <a:latin typeface="Calibri" pitchFamily="34" charset="0"/>
-              </a:rPr>
-              <a:t> </a:t>
-            </a:r>
-            <a:r>
-              <a:rPr lang="uk-UA" dirty="0" err="1" smtClean="0">
-                <a:latin typeface="Calibri" pitchFamily="34" charset="0"/>
-              </a:rPr>
-              <a:t>возвращает</a:t>
-            </a:r>
-            <a:r>
-              <a:rPr lang="uk-UA" b="1" dirty="0" smtClean="0">
-                <a:latin typeface="Calibri" pitchFamily="34" charset="0"/>
-              </a:rPr>
-              <a:t> </a:t>
-            </a:r>
-            <a:r>
-              <a:rPr lang="en-US" b="1" dirty="0" smtClean="0">
-                <a:latin typeface="Calibri" pitchFamily="34" charset="0"/>
-              </a:rPr>
-              <a:t>elem</a:t>
-            </a:r>
-            <a:r>
-              <a:rPr lang="en-US" dirty="0" smtClean="0">
-                <a:latin typeface="Calibri" pitchFamily="34" charset="0"/>
-              </a:rPr>
-              <a:t>. </a:t>
-            </a:r>
-          </a:p>
-          <a:p>
-            <a:r>
-              <a:rPr lang="en-US" dirty="0" smtClean="0">
-                <a:latin typeface="Calibri" pitchFamily="34" charset="0"/>
-              </a:rPr>
-              <a:t> </a:t>
-            </a:r>
             <a:endParaRPr lang="en-US" dirty="0">
               <a:latin typeface="Calibri" pitchFamily="34" charset="0"/>
             </a:endParaRPr>
+          </a:p>
+          <a:p>
+            <a:r>
+              <a:rPr lang="en-US" b="1" dirty="0" err="1">
+                <a:latin typeface="Calibri" pitchFamily="34" charset="0"/>
+              </a:rPr>
+              <a:t>parentElem.appendChild</a:t>
+            </a:r>
+            <a:r>
+              <a:rPr lang="en-US" b="1" dirty="0">
+                <a:latin typeface="Calibri" pitchFamily="34" charset="0"/>
+              </a:rPr>
+              <a:t>(</a:t>
+            </a:r>
+            <a:r>
+              <a:rPr lang="en-US" b="1" dirty="0" err="1">
+                <a:latin typeface="Calibri" pitchFamily="34" charset="0"/>
+              </a:rPr>
+              <a:t>elem</a:t>
+            </a:r>
+            <a:r>
+              <a:rPr lang="en-US" dirty="0">
+                <a:latin typeface="Calibri" pitchFamily="34" charset="0"/>
+              </a:rPr>
+              <a:t>) - </a:t>
+            </a:r>
+            <a:r>
+              <a:rPr lang="ru-RU" dirty="0">
+                <a:latin typeface="Calibri" pitchFamily="34" charset="0"/>
+              </a:rPr>
+              <a:t>добавляет </a:t>
+            </a:r>
+            <a:r>
+              <a:rPr lang="ru-RU" dirty="0" err="1">
+                <a:latin typeface="Calibri" pitchFamily="34" charset="0"/>
+              </a:rPr>
+              <a:t>elem</a:t>
+            </a:r>
+            <a:r>
+              <a:rPr lang="ru-RU" dirty="0">
+                <a:latin typeface="Calibri" pitchFamily="34" charset="0"/>
+              </a:rPr>
+              <a:t> в конец дочерних</a:t>
+            </a:r>
+            <a:r>
+              <a:rPr lang="en-US" dirty="0">
+                <a:latin typeface="Calibri" pitchFamily="34" charset="0"/>
+              </a:rPr>
+              <a:t> </a:t>
+            </a:r>
+            <a:r>
+              <a:rPr lang="ru-RU" dirty="0">
+                <a:latin typeface="Calibri" pitchFamily="34" charset="0"/>
+              </a:rPr>
+              <a:t>элементов </a:t>
+            </a:r>
+            <a:r>
+              <a:rPr lang="ru-RU" dirty="0" err="1">
+                <a:latin typeface="Calibri" pitchFamily="34" charset="0"/>
+              </a:rPr>
+              <a:t>parentElem</a:t>
+            </a:r>
+            <a:r>
+              <a:rPr lang="ru-RU" dirty="0">
+                <a:latin typeface="Calibri" pitchFamily="34" charset="0"/>
+              </a:rPr>
+              <a:t>.</a:t>
+            </a:r>
+            <a:r>
+              <a:rPr lang="en-US" dirty="0">
+                <a:latin typeface="Calibri" pitchFamily="34" charset="0"/>
+              </a:rPr>
+              <a:t> </a:t>
+            </a:r>
+          </a:p>
+          <a:p>
+            <a:endParaRPr lang="ru-RU" dirty="0">
+              <a:latin typeface="Calibri" pitchFamily="34" charset="0"/>
+            </a:endParaRPr>
+          </a:p>
+          <a:p>
+            <a:r>
+              <a:rPr lang="en-US" b="1" dirty="0" err="1">
+                <a:latin typeface="Calibri" pitchFamily="34" charset="0"/>
+              </a:rPr>
+              <a:t>parentElem.insertBefore</a:t>
+            </a:r>
+            <a:r>
+              <a:rPr lang="en-US" b="1" dirty="0">
+                <a:latin typeface="Calibri" pitchFamily="34" charset="0"/>
+              </a:rPr>
+              <a:t>(</a:t>
+            </a:r>
+            <a:r>
+              <a:rPr lang="en-US" b="1" dirty="0" err="1">
+                <a:latin typeface="Calibri" pitchFamily="34" charset="0"/>
+              </a:rPr>
+              <a:t>elem</a:t>
+            </a:r>
+            <a:r>
+              <a:rPr lang="en-US" b="1" dirty="0">
+                <a:latin typeface="Calibri" pitchFamily="34" charset="0"/>
+              </a:rPr>
+              <a:t>, </a:t>
+            </a:r>
+            <a:r>
+              <a:rPr lang="en-US" b="1" dirty="0" err="1">
+                <a:latin typeface="Calibri" pitchFamily="34" charset="0"/>
+              </a:rPr>
+              <a:t>nextSibling</a:t>
+            </a:r>
+            <a:r>
+              <a:rPr lang="en-US" b="1" dirty="0">
+                <a:latin typeface="Calibri" pitchFamily="34" charset="0"/>
+              </a:rPr>
+              <a:t>)</a:t>
+            </a:r>
+            <a:r>
+              <a:rPr lang="ru-RU" b="1" dirty="0">
+                <a:latin typeface="Calibri" pitchFamily="34" charset="0"/>
+              </a:rPr>
+              <a:t> </a:t>
+            </a:r>
+            <a:r>
+              <a:rPr lang="ru-RU" dirty="0">
+                <a:latin typeface="Calibri" pitchFamily="34" charset="0"/>
+              </a:rPr>
+              <a:t>- вставляет </a:t>
+            </a:r>
+            <a:r>
+              <a:rPr lang="ru-RU" dirty="0" err="1">
+                <a:latin typeface="Calibri" pitchFamily="34" charset="0"/>
+              </a:rPr>
+              <a:t>elem</a:t>
+            </a:r>
+            <a:r>
+              <a:rPr lang="ru-RU" dirty="0">
+                <a:latin typeface="Calibri" pitchFamily="34" charset="0"/>
+              </a:rPr>
+              <a:t> в коллекцию детей </a:t>
+            </a:r>
+            <a:r>
+              <a:rPr lang="ru-RU" dirty="0" err="1">
+                <a:latin typeface="Calibri" pitchFamily="34" charset="0"/>
+              </a:rPr>
+              <a:t>parentElem</a:t>
+            </a:r>
+            <a:r>
+              <a:rPr lang="ru-RU" dirty="0">
+                <a:latin typeface="Calibri" pitchFamily="34" charset="0"/>
+              </a:rPr>
+              <a:t>, перед элементом </a:t>
+            </a:r>
+            <a:r>
+              <a:rPr lang="ru-RU" dirty="0" err="1">
+                <a:latin typeface="Calibri" pitchFamily="34" charset="0"/>
+              </a:rPr>
+              <a:t>nextSibling</a:t>
+            </a:r>
+            <a:r>
+              <a:rPr lang="ru-RU" dirty="0">
+                <a:latin typeface="Calibri" pitchFamily="34" charset="0"/>
+              </a:rPr>
+              <a:t>. </a:t>
+            </a:r>
+          </a:p>
+          <a:p>
+            <a:endParaRPr lang="en-US" dirty="0">
+              <a:latin typeface="Calibri" pitchFamily="34" charset="0"/>
+            </a:endParaRPr>
+          </a:p>
+          <a:p>
+            <a:endParaRPr lang="ru-RU" dirty="0">
+              <a:latin typeface="Calibri" pitchFamily="34" charset="0"/>
+            </a:endParaRPr>
+          </a:p>
+          <a:p>
+            <a:r>
+              <a:rPr lang="ru-RU" dirty="0">
+                <a:latin typeface="Calibri" pitchFamily="34" charset="0"/>
+              </a:rPr>
+              <a:t>Все методы вставки элементов на страницу возвращают </a:t>
+            </a:r>
+            <a:r>
+              <a:rPr lang="ru-RU" dirty="0" err="1">
+                <a:latin typeface="Calibri" pitchFamily="34" charset="0"/>
+              </a:rPr>
+              <a:t>добавленый</a:t>
+            </a:r>
+            <a:r>
+              <a:rPr lang="ru-RU" dirty="0">
+                <a:latin typeface="Calibri" pitchFamily="34" charset="0"/>
+              </a:rPr>
+              <a:t> узел. </a:t>
+            </a:r>
+          </a:p>
+          <a:p>
+            <a:r>
+              <a:rPr lang="uk-UA" dirty="0" err="1">
+                <a:latin typeface="Calibri" pitchFamily="34" charset="0"/>
+              </a:rPr>
+              <a:t>Например</a:t>
+            </a:r>
+            <a:r>
+              <a:rPr lang="uk-UA" dirty="0">
+                <a:latin typeface="Calibri" pitchFamily="34" charset="0"/>
+              </a:rPr>
+              <a:t>, </a:t>
+            </a:r>
+            <a:r>
+              <a:rPr lang="en-US" b="1" dirty="0" err="1">
+                <a:latin typeface="Calibri" pitchFamily="34" charset="0"/>
+              </a:rPr>
+              <a:t>parentElem.appendChild</a:t>
+            </a:r>
+            <a:r>
+              <a:rPr lang="en-US" b="1" dirty="0">
+                <a:latin typeface="Calibri" pitchFamily="34" charset="0"/>
+              </a:rPr>
+              <a:t>(</a:t>
+            </a:r>
+            <a:r>
+              <a:rPr lang="en-US" b="1" dirty="0" err="1">
+                <a:latin typeface="Calibri" pitchFamily="34" charset="0"/>
+              </a:rPr>
+              <a:t>elem</a:t>
+            </a:r>
+            <a:r>
+              <a:rPr lang="en-US" b="1" dirty="0">
+                <a:latin typeface="Calibri" pitchFamily="34" charset="0"/>
+              </a:rPr>
+              <a:t>)</a:t>
+            </a:r>
+            <a:r>
+              <a:rPr lang="en-US" dirty="0">
+                <a:latin typeface="Calibri" pitchFamily="34" charset="0"/>
+              </a:rPr>
+              <a:t> </a:t>
+            </a:r>
+            <a:r>
+              <a:rPr lang="uk-UA" dirty="0" err="1">
+                <a:latin typeface="Calibri" pitchFamily="34" charset="0"/>
+              </a:rPr>
+              <a:t>возвращает</a:t>
+            </a:r>
+            <a:r>
+              <a:rPr lang="uk-UA" b="1" dirty="0">
+                <a:latin typeface="Calibri" pitchFamily="34" charset="0"/>
+              </a:rPr>
+              <a:t> </a:t>
+            </a:r>
+            <a:r>
+              <a:rPr lang="en-US" b="1" dirty="0">
+                <a:latin typeface="Calibri" pitchFamily="34" charset="0"/>
+              </a:rPr>
+              <a:t>elem</a:t>
+            </a:r>
+            <a:r>
+              <a:rPr lang="en-US" dirty="0">
+                <a:latin typeface="Calibri" pitchFamily="34" charset="0"/>
+              </a:rPr>
+              <a:t>. </a:t>
+            </a:r>
+          </a:p>
+          <a:p>
+            <a:r>
+              <a:rPr lang="en-US" dirty="0">
+                <a:latin typeface="Calibri" pitchFamily="34" charset="0"/>
+              </a:rPr>
+              <a:t> </a:t>
+            </a:r>
           </a:p>
         </p:txBody>
       </p:sp>
     </p:spTree>
     <p:extLst>
       <p:ext uri="{BB962C8B-B14F-4D97-AF65-F5344CB8AC3E}">
-        <p14:creationId xmlns:p14="http://schemas.microsoft.com/office/powerpoint/2010/main" xmlns="" val="9290874"/>
+        <p14:creationId xmlns:p14="http://schemas.microsoft.com/office/powerpoint/2010/main" val="9290874"/>
       </p:ext>
     </p:extLst>
   </p:cSld>
   <p:clrMapOvr>
     <a:masterClrMapping/>
   </p:clrMapOvr>
-  <p:timing>
-    <p:tnLst>
-      <p:par>
-        <p:cTn id="1" dur="indefinite" restart="never" nodeType="tmRoot"/>
-      </p:par>
-    </p:tnLst>
-  </p:timing>
 </p:sld>
 </file>
 
@@ -2895,7 +2840,7 @@
           <a:lstStyle/>
           <a:p>
             <a:r>
-              <a:rPr lang="ru-RU" sz="2800" dirty="0" smtClean="0">
+              <a:rPr lang="ru-RU" sz="2800" dirty="0">
                 <a:latin typeface="Calibri" pitchFamily="34" charset="0"/>
               </a:rPr>
               <a:t>Удаление элемента</a:t>
@@ -2929,80 +2874,80 @@
           <a:lstStyle/>
           <a:p>
             <a:r>
-              <a:rPr lang="ru-RU" dirty="0" smtClean="0">
+              <a:rPr lang="ru-RU" dirty="0">
                 <a:latin typeface="Calibri" pitchFamily="34" charset="0"/>
               </a:rPr>
               <a:t>Методы</a:t>
             </a:r>
             <a:r>
-              <a:rPr lang="en-US" dirty="0" smtClean="0">
+              <a:rPr lang="en-US" dirty="0">
                 <a:latin typeface="Calibri" pitchFamily="34" charset="0"/>
               </a:rPr>
               <a:t>: </a:t>
             </a:r>
           </a:p>
           <a:p>
-            <a:endParaRPr lang="ru-RU" dirty="0" smtClean="0">
+            <a:endParaRPr lang="ru-RU" dirty="0">
               <a:latin typeface="Calibri" pitchFamily="34" charset="0"/>
             </a:endParaRPr>
           </a:p>
           <a:p>
             <a:r>
-              <a:rPr lang="en-US" b="1" dirty="0" err="1" smtClean="0">
+              <a:rPr lang="en-US" b="1" dirty="0" err="1">
                 <a:latin typeface="Calibri" pitchFamily="34" charset="0"/>
               </a:rPr>
               <a:t>parentElem.removeChild</a:t>
             </a:r>
             <a:r>
-              <a:rPr lang="en-US" b="1" dirty="0" smtClean="0">
+              <a:rPr lang="en-US" b="1" dirty="0">
                 <a:latin typeface="Calibri" pitchFamily="34" charset="0"/>
               </a:rPr>
               <a:t>(</a:t>
             </a:r>
             <a:r>
-              <a:rPr lang="en-US" b="1" dirty="0" err="1" smtClean="0">
+              <a:rPr lang="en-US" b="1" dirty="0" err="1">
                 <a:latin typeface="Calibri" pitchFamily="34" charset="0"/>
               </a:rPr>
               <a:t>elem</a:t>
             </a:r>
             <a:r>
-              <a:rPr lang="en-US" b="1" dirty="0" smtClean="0">
+              <a:rPr lang="en-US" b="1" dirty="0">
                 <a:latin typeface="Calibri" pitchFamily="34" charset="0"/>
               </a:rPr>
               <a:t>)</a:t>
             </a:r>
             <a:r>
-              <a:rPr lang="ru-RU" b="1" dirty="0" smtClean="0">
+              <a:rPr lang="ru-RU" b="1" dirty="0">
                 <a:latin typeface="Calibri" pitchFamily="34" charset="0"/>
               </a:rPr>
               <a:t> </a:t>
             </a:r>
             <a:r>
-              <a:rPr lang="ru-RU" dirty="0" smtClean="0">
+              <a:rPr lang="ru-RU" dirty="0">
                 <a:latin typeface="Calibri" pitchFamily="34" charset="0"/>
               </a:rPr>
               <a:t>-  удаляет </a:t>
             </a:r>
             <a:r>
-              <a:rPr lang="ru-RU" dirty="0" err="1" smtClean="0">
+              <a:rPr lang="ru-RU" dirty="0" err="1">
                 <a:latin typeface="Calibri" pitchFamily="34" charset="0"/>
               </a:rPr>
               <a:t>elem</a:t>
             </a:r>
             <a:r>
-              <a:rPr lang="ru-RU" dirty="0" smtClean="0">
+              <a:rPr lang="ru-RU" dirty="0">
                 <a:latin typeface="Calibri" pitchFamily="34" charset="0"/>
               </a:rPr>
               <a:t> из списка детей </a:t>
             </a:r>
             <a:r>
-              <a:rPr lang="ru-RU" dirty="0" err="1" smtClean="0">
+              <a:rPr lang="ru-RU" dirty="0" err="1">
                 <a:latin typeface="Calibri" pitchFamily="34" charset="0"/>
               </a:rPr>
               <a:t>parentElem</a:t>
             </a:r>
             <a:r>
-              <a:rPr lang="ru-RU" dirty="0" smtClean="0">
+              <a:rPr lang="ru-RU" dirty="0">
                 <a:latin typeface="Calibri" pitchFamily="34" charset="0"/>
               </a:rPr>
               <a:t>. </a:t>
@@ -3010,61 +2955,61 @@
           </a:p>
           <a:p>
             <a:r>
-              <a:rPr lang="en-US" b="1" dirty="0" err="1" smtClean="0">
+              <a:rPr lang="en-US" b="1" dirty="0" err="1">
                 <a:latin typeface="Calibri" pitchFamily="34" charset="0"/>
               </a:rPr>
               <a:t>parentElem.replaceChild</a:t>
             </a:r>
             <a:r>
-              <a:rPr lang="en-US" b="1" dirty="0" smtClean="0">
+              <a:rPr lang="en-US" b="1" dirty="0">
                 <a:latin typeface="Calibri" pitchFamily="34" charset="0"/>
               </a:rPr>
               <a:t>(</a:t>
             </a:r>
             <a:r>
-              <a:rPr lang="en-US" b="1" dirty="0" err="1" smtClean="0">
+              <a:rPr lang="en-US" b="1" dirty="0" err="1">
                 <a:latin typeface="Calibri" pitchFamily="34" charset="0"/>
               </a:rPr>
               <a:t>newElem</a:t>
             </a:r>
             <a:r>
-              <a:rPr lang="en-US" b="1" dirty="0" smtClean="0">
+              <a:rPr lang="en-US" b="1" dirty="0">
                 <a:latin typeface="Calibri" pitchFamily="34" charset="0"/>
               </a:rPr>
               <a:t>, </a:t>
             </a:r>
             <a:r>
-              <a:rPr lang="en-US" b="1" dirty="0" err="1" smtClean="0">
+              <a:rPr lang="en-US" b="1" dirty="0" err="1">
                 <a:latin typeface="Calibri" pitchFamily="34" charset="0"/>
               </a:rPr>
               <a:t>elem</a:t>
             </a:r>
             <a:r>
-              <a:rPr lang="en-US" b="1" dirty="0" smtClean="0">
+              <a:rPr lang="en-US" b="1" dirty="0">
                 <a:latin typeface="Calibri" pitchFamily="34" charset="0"/>
               </a:rPr>
               <a:t>)</a:t>
             </a:r>
             <a:r>
-              <a:rPr lang="ru-RU" b="1" dirty="0" smtClean="0">
+              <a:rPr lang="ru-RU" b="1" dirty="0">
                 <a:latin typeface="Calibri" pitchFamily="34" charset="0"/>
               </a:rPr>
               <a:t> </a:t>
             </a:r>
             <a:r>
-              <a:rPr lang="ru-RU" dirty="0" smtClean="0">
-                <a:latin typeface="Calibri" pitchFamily="34" charset="0"/>
-              </a:rPr>
-              <a:t>– Среди детей </a:t>
-            </a:r>
-            <a:r>
-              <a:rPr lang="ru-RU" dirty="0" err="1" smtClean="0">
+              <a:rPr lang="ru-RU" dirty="0">
+                <a:latin typeface="Calibri" pitchFamily="34" charset="0"/>
+              </a:rPr>
+              <a:t>– среди детей </a:t>
+            </a:r>
+            <a:r>
+              <a:rPr lang="ru-RU" dirty="0" err="1">
                 <a:latin typeface="Calibri" pitchFamily="34" charset="0"/>
               </a:rPr>
               <a:t>parentElem</a:t>
             </a:r>
             <a:r>
-              <a:rPr lang="ru-RU" dirty="0" smtClean="0">
+              <a:rPr lang="ru-RU" dirty="0">
                 <a:latin typeface="Calibri" pitchFamily="34" charset="0"/>
               </a:rPr>
               <a:t> </a:t>
@@ -3072,38 +3017,38 @@
           </a:p>
           <a:p>
             <a:r>
-              <a:rPr lang="ru-RU" dirty="0" smtClean="0">
+              <a:rPr lang="ru-RU" dirty="0">
                 <a:latin typeface="Calibri" pitchFamily="34" charset="0"/>
               </a:rPr>
               <a:t>удаляет </a:t>
             </a:r>
             <a:r>
-              <a:rPr lang="ru-RU" dirty="0" err="1" smtClean="0">
+              <a:rPr lang="ru-RU" dirty="0" err="1">
                 <a:latin typeface="Calibri" pitchFamily="34" charset="0"/>
               </a:rPr>
               <a:t>elem</a:t>
             </a:r>
             <a:r>
-              <a:rPr lang="ru-RU" dirty="0" smtClean="0">
+              <a:rPr lang="ru-RU" dirty="0">
                 <a:latin typeface="Calibri" pitchFamily="34" charset="0"/>
               </a:rPr>
               <a:t> и вставляет на его место </a:t>
             </a:r>
             <a:r>
-              <a:rPr lang="ru-RU" dirty="0" err="1" smtClean="0">
+              <a:rPr lang="ru-RU" dirty="0" err="1">
                 <a:latin typeface="Calibri" pitchFamily="34" charset="0"/>
               </a:rPr>
               <a:t>newElem</a:t>
             </a:r>
             <a:r>
-              <a:rPr lang="ru-RU" dirty="0" smtClean="0">
+              <a:rPr lang="ru-RU" dirty="0">
                 <a:latin typeface="Calibri" pitchFamily="34" charset="0"/>
               </a:rPr>
               <a:t>. </a:t>
             </a:r>
           </a:p>
           <a:p>
-            <a:endParaRPr lang="ru-RU" dirty="0" smtClean="0">
+            <a:endParaRPr lang="ru-RU" dirty="0">
               <a:latin typeface="Calibri" pitchFamily="34" charset="0"/>
             </a:endParaRPr>
           </a:p>
@@ -3132,24 +3077,24 @@
           <a:lstStyle/>
           <a:p>
             <a:r>
-              <a:rPr lang="ru-RU" dirty="0" smtClean="0">
+              <a:rPr lang="ru-RU" dirty="0">
                 <a:latin typeface="Calibri" pitchFamily="34" charset="0"/>
               </a:rPr>
               <a:t>Если необходимо </a:t>
             </a:r>
             <a:r>
-              <a:rPr lang="ru-RU" i="1" dirty="0" smtClean="0">
+              <a:rPr lang="ru-RU" i="1" dirty="0">
                 <a:latin typeface="Calibri" pitchFamily="34" charset="0"/>
               </a:rPr>
               <a:t>переместить</a:t>
             </a:r>
             <a:r>
-              <a:rPr lang="ru-RU" dirty="0" smtClean="0">
+              <a:rPr lang="ru-RU" dirty="0">
                 <a:latin typeface="Calibri" pitchFamily="34" charset="0"/>
               </a:rPr>
               <a:t> элемент на новое место – не нужно его удалять со старого. Все методы вставки автоматически удаляют вставляемый элемент со старого места. </a:t>
             </a:r>
-            <a:endParaRPr lang="en-US" dirty="0" smtClean="0">
+            <a:endParaRPr lang="en-US" dirty="0">
               <a:latin typeface="Calibri" pitchFamily="34" charset="0"/>
             </a:endParaRPr>
           </a:p>
@@ -3161,20 +3106,13 @@
     </p:spTree>
     <p:extLst>
       <p:ext uri="{BB962C8B-B14F-4D97-AF65-F5344CB8AC3E}">
-        <p14:creationId xmlns:p14="http://schemas.microsoft.com/office/powerpoint/2010/main" xmlns="" val="9290874"/>
+        <p14:creationId xmlns:p14="http://schemas.microsoft.com/office/powerpoint/2010/main" val="9290874"/>
       </p:ext>
     </p:extLst>
   </p:cSld>
   <p:clrMapOvr>
     <a:masterClrMapping/>
   </p:clrMapOvr>
-  <p:timing>
-    <p:tnLst>
-      <p:par>
-        <p:cTn id="1" dur="indefinite" restart="never" nodeType="tmRoot"/>
-      </p:par>
-    </p:tnLst>
-  </p:timing>
 </p:sld>
 </file>
 
@@ -3211,7 +3149,7 @@
           <a:lstStyle/>
           <a:p>
             <a:r>
-              <a:rPr lang="ru-RU" dirty="0" smtClean="0">
+              <a:rPr lang="ru-RU" dirty="0">
                 <a:latin typeface="Calibri" pitchFamily="34" charset="0"/>
               </a:rPr>
               <a:t>Работа со стилями</a:t>
@@ -3230,8 +3168,8 @@
         </p:nvSpPr>
         <p:spPr>
           <a:xfrm>
-            <a:off x="611560" y="1844824"/>
-            <a:ext cx="2952328" cy="2308324"/>
+            <a:off x="684033" y="3760725"/>
+            <a:ext cx="7848407" cy="1200329"/>
           </a:xfrm>
           <a:prstGeom prst="rect">
             <a:avLst/>
@@ -3244,82 +3182,68 @@
           </a:bodyPr>
           <a:lstStyle/>
           <a:p>
-            <a:pPr algn="just"/>
-            <a:r>
-              <a:rPr lang="ru-RU" dirty="0" smtClean="0">
-                <a:latin typeface="Calibri" pitchFamily="34" charset="0"/>
-              </a:rPr>
-              <a:t>Свойство </a:t>
-            </a:r>
-            <a:r>
-              <a:rPr lang="ru-RU" b="1" dirty="0" err="1" smtClean="0">
+            <a:r>
+              <a:rPr lang="ru-RU" dirty="0">
+                <a:latin typeface="Calibri" pitchFamily="34" charset="0"/>
+              </a:rPr>
+              <a:t>Свойство</a:t>
+            </a:r>
+            <a:r>
+              <a:rPr lang="en-US" dirty="0">
+                <a:latin typeface="Calibri" pitchFamily="34" charset="0"/>
+              </a:rPr>
+              <a:t> </a:t>
+            </a:r>
+            <a:r>
+              <a:rPr lang="ru-RU" b="1" dirty="0" err="1">
                 <a:latin typeface="Calibri" pitchFamily="34" charset="0"/>
               </a:rPr>
               <a:t>element.style</a:t>
             </a:r>
             <a:r>
-              <a:rPr lang="ru-RU" dirty="0" smtClean="0">
+              <a:rPr lang="ru-RU" dirty="0">
+                <a:latin typeface="Calibri" pitchFamily="34" charset="0"/>
+              </a:rPr>
+              <a:t> возвращает объект, который дает доступ к стилю элемента на чтение и запись.</a:t>
+            </a:r>
+            <a:r>
+              <a:rPr lang="en-US" dirty="0">
+                <a:latin typeface="Calibri" pitchFamily="34" charset="0"/>
+              </a:rPr>
+              <a:t>  </a:t>
+            </a:r>
+          </a:p>
+          <a:p>
+            <a:endParaRPr lang="en-US" dirty="0">
+              <a:latin typeface="Calibri" pitchFamily="34" charset="0"/>
+            </a:endParaRPr>
+          </a:p>
+          <a:p>
+            <a:r>
+              <a:rPr lang="ru-RU" dirty="0">
+                <a:latin typeface="Calibri" pitchFamily="34" charset="0"/>
+              </a:rPr>
+              <a:t>Свойство</a:t>
+            </a:r>
+            <a:r>
+              <a:rPr lang="ru-RU" b="1" dirty="0">
                 <a:latin typeface="Calibri" pitchFamily="34" charset="0"/>
               </a:rPr>
               <a:t> </a:t>
             </a:r>
             <a:r>
-              <a:rPr lang="en-US" dirty="0" smtClean="0">
-                <a:latin typeface="Calibri" pitchFamily="34" charset="0"/>
-              </a:rPr>
-              <a:t/>
-            </a:r>
-            <a:br>
-              <a:rPr lang="en-US" dirty="0" smtClean="0">
-                <a:latin typeface="Calibri" pitchFamily="34" charset="0"/>
-              </a:rPr>
-            </a:br>
-            <a:r>
-              <a:rPr lang="ru-RU" dirty="0" smtClean="0">
-                <a:latin typeface="Calibri" pitchFamily="34" charset="0"/>
-              </a:rPr>
-              <a:t>возвращает </a:t>
-            </a:r>
-            <a:r>
-              <a:rPr lang="ru-RU" dirty="0" smtClean="0">
-                <a:latin typeface="Calibri" pitchFamily="34" charset="0"/>
-              </a:rPr>
-              <a:t>объект, который дает доступ к стилю элемента на чтение и запись.</a:t>
-            </a:r>
-            <a:r>
-              <a:rPr lang="en-US" dirty="0" smtClean="0">
-                <a:latin typeface="Calibri" pitchFamily="34" charset="0"/>
-              </a:rPr>
-              <a:t>  </a:t>
-            </a:r>
-          </a:p>
-          <a:p>
-            <a:pPr algn="just"/>
-            <a:r>
-              <a:rPr lang="ru-RU" dirty="0" smtClean="0">
-                <a:latin typeface="Calibri" pitchFamily="34" charset="0"/>
-              </a:rPr>
-              <a:t>Свойство</a:t>
-            </a:r>
-            <a:r>
-              <a:rPr lang="ru-RU" b="1" dirty="0" smtClean="0">
-                <a:latin typeface="Calibri" pitchFamily="34" charset="0"/>
-              </a:rPr>
-              <a:t> </a:t>
-            </a:r>
-            <a:r>
-              <a:rPr lang="ru-RU" b="1" dirty="0" err="1" smtClean="0">
+              <a:rPr lang="ru-RU" b="1" dirty="0" err="1">
                 <a:latin typeface="Calibri" pitchFamily="34" charset="0"/>
               </a:rPr>
               <a:t>style.cssText</a:t>
             </a:r>
             <a:r>
-              <a:rPr lang="ru-RU" dirty="0" smtClean="0">
+              <a:rPr lang="ru-RU" dirty="0">
                 <a:latin typeface="Calibri" pitchFamily="34" charset="0"/>
               </a:rPr>
               <a:t> позволяет поставить стиль целиком в виде строки.</a:t>
             </a:r>
-            <a:endParaRPr lang="en-US" dirty="0" smtClean="0">
+            <a:endParaRPr lang="en-US" dirty="0">
               <a:latin typeface="Calibri" pitchFamily="34" charset="0"/>
             </a:endParaRPr>
           </a:p>
@@ -3333,8 +3257,8 @@
         </p:nvSpPr>
         <p:spPr>
           <a:xfrm>
-            <a:off x="3851920" y="1988840"/>
-            <a:ext cx="4896544" cy="2031325"/>
+            <a:off x="683568" y="1332220"/>
+            <a:ext cx="7848872" cy="2031325"/>
           </a:xfrm>
           <a:prstGeom prst="rect">
             <a:avLst/>
@@ -3361,30 +3285,30 @@
           <a:lstStyle/>
           <a:p>
             <a:r>
-              <a:rPr lang="en-US" dirty="0" smtClean="0">
+              <a:rPr lang="en-US" dirty="0">
                 <a:latin typeface="Calibri" pitchFamily="34" charset="0"/>
               </a:rPr>
               <a:t>&lt;body&gt; </a:t>
             </a:r>
-            <a:endParaRPr lang="ru-RU" dirty="0" smtClean="0">
+            <a:endParaRPr lang="ru-RU" dirty="0">
               <a:latin typeface="Calibri" pitchFamily="34" charset="0"/>
             </a:endParaRPr>
           </a:p>
           <a:p>
             <a:r>
-              <a:rPr lang="en-US" dirty="0" smtClean="0">
+              <a:rPr lang="en-US" dirty="0">
                 <a:latin typeface="Calibri" pitchFamily="34" charset="0"/>
               </a:rPr>
               <a:t>&lt;script&gt; </a:t>
             </a:r>
-            <a:endParaRPr lang="ru-RU" dirty="0" smtClean="0">
+            <a:endParaRPr lang="ru-RU" dirty="0">
               <a:latin typeface="Calibri" pitchFamily="34" charset="0"/>
             </a:endParaRPr>
           </a:p>
           <a:p>
             <a:pPr lvl="1"/>
             <a:r>
-              <a:rPr lang="en-US" dirty="0" err="1" smtClean="0">
+              <a:rPr lang="en-US" dirty="0" err="1">
                 <a:solidFill>
                   <a:schemeClr val="accent1">
                     <a:lumMod val="75000"/>
@@ -3395,25 +3319,25 @@
               <a:t>document</a:t>
             </a:r>
             <a:r>
-              <a:rPr lang="en-US" dirty="0" err="1" smtClean="0">
+              <a:rPr lang="en-US" dirty="0" err="1">
                 <a:latin typeface="Calibri" pitchFamily="34" charset="0"/>
               </a:rPr>
               <a:t>.body.style.margin</a:t>
             </a:r>
             <a:r>
-              <a:rPr lang="en-US" dirty="0" smtClean="0">
+              <a:rPr lang="en-US" dirty="0">
                 <a:latin typeface="Calibri" pitchFamily="34" charset="0"/>
               </a:rPr>
               <a:t> = '</a:t>
             </a:r>
             <a:r>
-              <a:rPr lang="en-US" dirty="0" err="1" smtClean="0">
+              <a:rPr lang="en-US" dirty="0" err="1">
                 <a:latin typeface="Calibri" pitchFamily="34" charset="0"/>
               </a:rPr>
               <a:t>20px</a:t>
             </a:r>
             <a:r>
-              <a:rPr lang="en-US" dirty="0" smtClean="0">
+              <a:rPr lang="en-US" dirty="0">
                 <a:latin typeface="Calibri" pitchFamily="34" charset="0"/>
               </a:rPr>
               <a:t>'; </a:t>
@@ -3422,13 +3346,13 @@
           <a:p>
             <a:pPr lvl="1"/>
             <a:r>
-              <a:rPr lang="en-US" dirty="0" smtClean="0">
+              <a:rPr lang="en-US" dirty="0">
                 <a:latin typeface="Calibri" pitchFamily="34" charset="0"/>
               </a:rPr>
               <a:t>alert( </a:t>
             </a:r>
             <a:r>
-              <a:rPr lang="en-US" dirty="0" err="1" smtClean="0">
+              <a:rPr lang="en-US" dirty="0" err="1">
                 <a:solidFill>
                   <a:schemeClr val="accent1">
                     <a:lumMod val="75000"/>
@@ -3439,18 +3363,18 @@
               <a:t>document</a:t>
             </a:r>
             <a:r>
-              <a:rPr lang="en-US" dirty="0" err="1" smtClean="0">
+              <a:rPr lang="en-US" dirty="0" err="1">
                 <a:latin typeface="Calibri" pitchFamily="34" charset="0"/>
               </a:rPr>
               <a:t>.body.style.marginTop</a:t>
             </a:r>
             <a:r>
-              <a:rPr lang="en-US" dirty="0" smtClean="0">
+              <a:rPr lang="en-US" dirty="0">
                 <a:latin typeface="Calibri" pitchFamily="34" charset="0"/>
               </a:rPr>
               <a:t> ); </a:t>
             </a:r>
-            <a:endParaRPr lang="en-US" dirty="0" smtClean="0">
+            <a:endParaRPr lang="en-US" dirty="0">
               <a:solidFill>
                 <a:schemeClr val="bg1">
                   <a:lumMod val="50000"/>
@@ -3462,7 +3386,7 @@
           <a:p>
             <a:pPr lvl="1"/>
             <a:r>
-              <a:rPr lang="en-US" dirty="0" err="1" smtClean="0">
+              <a:rPr lang="en-US" dirty="0" err="1">
                 <a:solidFill>
                   <a:schemeClr val="accent1">
                     <a:lumMod val="75000"/>
@@ -3473,7 +3397,7 @@
               <a:t>document</a:t>
             </a:r>
             <a:r>
-              <a:rPr lang="en-US" dirty="0" err="1" smtClean="0">
+              <a:rPr lang="en-US" dirty="0" err="1">
                 <a:solidFill>
                   <a:schemeClr val="tx1"/>
                 </a:solidFill>
@@ -3482,7 +3406,7 @@
               <a:t>.body.style.cssText</a:t>
             </a:r>
             <a:r>
-              <a:rPr lang="en-US" dirty="0" smtClean="0">
+              <a:rPr lang="en-US" dirty="0">
                 <a:solidFill>
                   <a:schemeClr val="tx1"/>
                 </a:solidFill>
@@ -3491,7 +3415,7 @@
               <a:t> = ‘</a:t>
             </a:r>
             <a:r>
-              <a:rPr lang="en-US" dirty="0" smtClean="0">
+              <a:rPr lang="en-US" dirty="0">
                 <a:solidFill>
                   <a:schemeClr val="accent1">
                     <a:lumMod val="75000"/>
@@ -3502,7 +3426,7 @@
               <a:t>color: blue</a:t>
             </a:r>
             <a:r>
-              <a:rPr lang="en-US" dirty="0" smtClean="0">
+              <a:rPr lang="en-US" dirty="0">
                 <a:solidFill>
                   <a:schemeClr val="tx1"/>
                 </a:solidFill>
@@ -3511,7 +3435,7 @@
               <a:t>’;</a:t>
             </a:r>
             <a:r>
-              <a:rPr lang="en-US" dirty="0" smtClean="0">
+              <a:rPr lang="en-US" dirty="0">
                 <a:solidFill>
                   <a:schemeClr val="bg1">
                     <a:lumMod val="50000"/>
@@ -3524,25 +3448,22 @@
           </a:p>
           <a:p>
             <a:r>
-              <a:rPr lang="en-US" dirty="0" smtClean="0">
+              <a:rPr lang="en-US" dirty="0">
                 <a:latin typeface="Calibri" pitchFamily="34" charset="0"/>
               </a:rPr>
               <a:t>&lt;/script&gt; </a:t>
             </a:r>
-            <a:endParaRPr lang="ru-RU" dirty="0" smtClean="0">
+            <a:endParaRPr lang="ru-RU" dirty="0">
               <a:latin typeface="Calibri" pitchFamily="34" charset="0"/>
             </a:endParaRPr>
           </a:p>
           <a:p>
             <a:r>
-              <a:rPr lang="en-US" dirty="0" smtClean="0">
+              <a:rPr lang="en-US" dirty="0">
                 <a:latin typeface="Calibri" pitchFamily="34" charset="0"/>
               </a:rPr>
               <a:t>&lt;/body&gt;</a:t>
             </a:r>
-            <a:endParaRPr lang="en-US" dirty="0">
-              <a:latin typeface="Calibri" pitchFamily="34" charset="0"/>
-            </a:endParaRPr>
           </a:p>
         </p:txBody>
       </p:sp>
@@ -3554,8 +3475,8 @@
         </p:nvSpPr>
         <p:spPr>
           <a:xfrm>
-            <a:off x="683568" y="4869160"/>
-            <a:ext cx="7272808" cy="923330"/>
+            <a:off x="683568" y="5157192"/>
+            <a:ext cx="8003232" cy="923330"/>
           </a:xfrm>
           <a:prstGeom prst="rect">
             <a:avLst/>
@@ -3569,66 +3490,66 @@
           <a:lstStyle/>
           <a:p>
             <a:r>
-              <a:rPr lang="ru-RU" dirty="0" smtClean="0">
+              <a:rPr lang="ru-RU" dirty="0">
                 <a:latin typeface="Calibri" pitchFamily="34" charset="0"/>
               </a:rPr>
               <a:t>Метод </a:t>
             </a:r>
             <a:r>
-              <a:rPr lang="en-US" dirty="0" smtClean="0">
+              <a:rPr lang="en-US" dirty="0">
                 <a:latin typeface="Calibri" pitchFamily="34" charset="0"/>
               </a:rPr>
               <a:t> </a:t>
             </a:r>
             <a:r>
-              <a:rPr lang="en-US" b="1" dirty="0" err="1" smtClean="0">
+              <a:rPr lang="en-US" b="1" dirty="0" err="1">
                 <a:latin typeface="Calibri" pitchFamily="34" charset="0"/>
               </a:rPr>
               <a:t>window</a:t>
             </a:r>
             <a:r>
-              <a:rPr lang="en-US" dirty="0" err="1" smtClean="0">
+              <a:rPr lang="en-US" dirty="0" err="1">
                 <a:latin typeface="Calibri" pitchFamily="34" charset="0"/>
               </a:rPr>
               <a:t>.</a:t>
             </a:r>
             <a:r>
-              <a:rPr lang="en-US" b="1" dirty="0" err="1" smtClean="0">
+              <a:rPr lang="en-US" b="1" dirty="0" err="1">
                 <a:latin typeface="Calibri" pitchFamily="34" charset="0"/>
               </a:rPr>
               <a:t>getComputedStyle</a:t>
             </a:r>
             <a:r>
-              <a:rPr lang="en-US" b="1" dirty="0" smtClean="0">
+              <a:rPr lang="en-US" b="1" dirty="0">
                 <a:latin typeface="Calibri" pitchFamily="34" charset="0"/>
               </a:rPr>
               <a:t>(element[, pseudo])</a:t>
             </a:r>
             <a:r>
-              <a:rPr lang="en-US" dirty="0" smtClean="0">
+              <a:rPr lang="en-US" dirty="0">
                 <a:latin typeface="Calibri" pitchFamily="34" charset="0"/>
               </a:rPr>
               <a:t> -  </a:t>
             </a:r>
             <a:r>
-              <a:rPr lang="ru-RU" dirty="0" smtClean="0">
+              <a:rPr lang="ru-RU" dirty="0">
                 <a:latin typeface="Calibri" pitchFamily="34" charset="0"/>
               </a:rPr>
               <a:t>позволяет получить текущее используемое значение свойства</a:t>
             </a:r>
             <a:r>
-              <a:rPr lang="en-US" dirty="0" smtClean="0">
+              <a:rPr lang="en-US" dirty="0">
                 <a:latin typeface="Calibri" pitchFamily="34" charset="0"/>
               </a:rPr>
               <a:t>; </a:t>
             </a:r>
             <a:r>
-              <a:rPr lang="ru-RU" dirty="0" smtClean="0">
+              <a:rPr lang="ru-RU" dirty="0">
                 <a:latin typeface="Calibri" pitchFamily="34" charset="0"/>
               </a:rPr>
               <a:t> </a:t>
             </a:r>
-            <a:endParaRPr lang="en-US" dirty="0" smtClean="0">
+            <a:endParaRPr lang="en-US" dirty="0">
               <a:latin typeface="Calibri" pitchFamily="34" charset="0"/>
             </a:endParaRPr>
           </a:p>
@@ -3642,20 +3563,13 @@
     </p:spTree>
     <p:extLst>
       <p:ext uri="{BB962C8B-B14F-4D97-AF65-F5344CB8AC3E}">
-        <p14:creationId xmlns:p14="http://schemas.microsoft.com/office/powerpoint/2010/main" xmlns="" val="9290874"/>
+        <p14:creationId xmlns:p14="http://schemas.microsoft.com/office/powerpoint/2010/main" val="9290874"/>
       </p:ext>
     </p:extLst>
   </p:cSld>
   <p:clrMapOvr>
     <a:masterClrMapping/>
   </p:clrMapOvr>
-  <p:timing>
-    <p:tnLst>
-      <p:par>
-        <p:cTn id="1" dur="indefinite" restart="never" nodeType="tmRoot"/>
-      </p:par>
-    </p:tnLst>
-  </p:timing>
 </p:sld>
 </file>
 
@@ -3692,7 +3606,7 @@
           <a:lstStyle/>
           <a:p>
             <a:r>
-              <a:rPr lang="ru-RU" dirty="0" smtClean="0">
+              <a:rPr lang="ru-RU" dirty="0">
                 <a:latin typeface="Calibri" pitchFamily="34" charset="0"/>
               </a:rPr>
               <a:t>Размеры и прокрутка элементов</a:t>
@@ -3732,20 +3646,13 @@
     </p:spTree>
     <p:extLst>
       <p:ext uri="{BB962C8B-B14F-4D97-AF65-F5344CB8AC3E}">
-        <p14:creationId xmlns:p14="http://schemas.microsoft.com/office/powerpoint/2010/main" xmlns="" val="9290874"/>
+        <p14:creationId xmlns:p14="http://schemas.microsoft.com/office/powerpoint/2010/main" val="9290874"/>
       </p:ext>
     </p:extLst>
   </p:cSld>
   <p:clrMapOvr>
     <a:masterClrMapping/>
   </p:clrMapOvr>
-  <p:timing>
-    <p:tnLst>
-      <p:par>
-        <p:cTn id="1" dur="indefinite" restart="never" nodeType="tmRoot"/>
-      </p:par>
-    </p:tnLst>
-  </p:timing>
 </p:sld>
 </file>
 
